--- a/test.pptx
+++ b/test.pptx
@@ -5,10 +5,9 @@
     <p:sldMasterId id="2147483648" r:id="rId1"/>
   </p:sldMasterIdLst>
   <p:sldIdLst>
-    <p:sldId id="256" r:id="rId2"/>
-    <p:sldId id="257" r:id="rId3"/>
-    <p:sldId id="258" r:id="rId4"/>
-    <p:sldId id="260" r:id="rId5"/>
+    <p:sldId id="257" r:id="rId2"/>
+    <p:sldId id="258" r:id="rId3"/>
+    <p:sldId id="260" r:id="rId4"/>
   </p:sldIdLst>
   <p:sldSz cx="9144000" cy="6858000" type="screen4x3"/>
   <p:notesSz cx="6858000" cy="9144000"/>
@@ -305,7 +304,7 @@
           <a:p>
             <a:fld id="{5BCAD085-E8A6-8845-BD4E-CB4CCA059FC4}" type="datetimeFigureOut">
               <a:rPr lang="en-US" smtClean="0"/>
-              <a:t>9/5/2024</a:t>
+              <a:t>9/6/2024</a:t>
             </a:fld>
             <a:endParaRPr lang="en-US"/>
           </a:p>
@@ -473,7 +472,7 @@
           <a:p>
             <a:fld id="{5BCAD085-E8A6-8845-BD4E-CB4CCA059FC4}" type="datetimeFigureOut">
               <a:rPr lang="en-US" smtClean="0"/>
-              <a:t>9/5/2024</a:t>
+              <a:t>9/6/2024</a:t>
             </a:fld>
             <a:endParaRPr lang="en-US"/>
           </a:p>
@@ -651,7 +650,7 @@
           <a:p>
             <a:fld id="{5BCAD085-E8A6-8845-BD4E-CB4CCA059FC4}" type="datetimeFigureOut">
               <a:rPr lang="en-US" smtClean="0"/>
-              <a:t>9/5/2024</a:t>
+              <a:t>9/6/2024</a:t>
             </a:fld>
             <a:endParaRPr lang="en-US"/>
           </a:p>
@@ -819,7 +818,7 @@
           <a:p>
             <a:fld id="{5BCAD085-E8A6-8845-BD4E-CB4CCA059FC4}" type="datetimeFigureOut">
               <a:rPr lang="en-US" smtClean="0"/>
-              <a:t>9/5/2024</a:t>
+              <a:t>9/6/2024</a:t>
             </a:fld>
             <a:endParaRPr lang="en-US"/>
           </a:p>
@@ -1064,7 +1063,7 @@
           <a:p>
             <a:fld id="{5BCAD085-E8A6-8845-BD4E-CB4CCA059FC4}" type="datetimeFigureOut">
               <a:rPr lang="en-US" smtClean="0"/>
-              <a:t>9/5/2024</a:t>
+              <a:t>9/6/2024</a:t>
             </a:fld>
             <a:endParaRPr lang="en-US"/>
           </a:p>
@@ -1349,7 +1348,7 @@
           <a:p>
             <a:fld id="{5BCAD085-E8A6-8845-BD4E-CB4CCA059FC4}" type="datetimeFigureOut">
               <a:rPr lang="en-US" smtClean="0"/>
-              <a:t>9/5/2024</a:t>
+              <a:t>9/6/2024</a:t>
             </a:fld>
             <a:endParaRPr lang="en-US"/>
           </a:p>
@@ -1768,7 +1767,7 @@
           <a:p>
             <a:fld id="{5BCAD085-E8A6-8845-BD4E-CB4CCA059FC4}" type="datetimeFigureOut">
               <a:rPr lang="en-US" smtClean="0"/>
-              <a:t>9/5/2024</a:t>
+              <a:t>9/6/2024</a:t>
             </a:fld>
             <a:endParaRPr lang="en-US"/>
           </a:p>
@@ -1885,7 +1884,7 @@
           <a:p>
             <a:fld id="{5BCAD085-E8A6-8845-BD4E-CB4CCA059FC4}" type="datetimeFigureOut">
               <a:rPr lang="en-US" smtClean="0"/>
-              <a:t>9/5/2024</a:t>
+              <a:t>9/6/2024</a:t>
             </a:fld>
             <a:endParaRPr lang="en-US"/>
           </a:p>
@@ -1980,7 +1979,7 @@
           <a:p>
             <a:fld id="{5BCAD085-E8A6-8845-BD4E-CB4CCA059FC4}" type="datetimeFigureOut">
               <a:rPr lang="en-US" smtClean="0"/>
-              <a:t>9/5/2024</a:t>
+              <a:t>9/6/2024</a:t>
             </a:fld>
             <a:endParaRPr lang="en-US"/>
           </a:p>
@@ -2255,7 +2254,7 @@
           <a:p>
             <a:fld id="{5BCAD085-E8A6-8845-BD4E-CB4CCA059FC4}" type="datetimeFigureOut">
               <a:rPr lang="en-US" smtClean="0"/>
-              <a:t>9/5/2024</a:t>
+              <a:t>9/6/2024</a:t>
             </a:fld>
             <a:endParaRPr lang="en-US"/>
           </a:p>
@@ -2507,7 +2506,7 @@
           <a:p>
             <a:fld id="{5BCAD085-E8A6-8845-BD4E-CB4CCA059FC4}" type="datetimeFigureOut">
               <a:rPr lang="en-US" smtClean="0"/>
-              <a:t>9/5/2024</a:t>
+              <a:t>9/6/2024</a:t>
             </a:fld>
             <a:endParaRPr lang="en-US"/>
           </a:p>
@@ -2718,7 +2717,7 @@
           <a:p>
             <a:fld id="{5BCAD085-E8A6-8845-BD4E-CB4CCA059FC4}" type="datetimeFigureOut">
               <a:rPr lang="en-US" smtClean="0"/>
-              <a:t>9/5/2024</a:t>
+              <a:t>9/6/2024</a:t>
             </a:fld>
             <a:endParaRPr lang="en-US"/>
           </a:p>
@@ -3079,6 +3078,14 @@
 <file path=ppt/slides/slide1.xml><?xml version="1.0" encoding="utf-8"?>
 <p:sld xmlns:a="http://schemas.openxmlformats.org/drawingml/2006/main" xmlns:r="http://schemas.openxmlformats.org/officeDocument/2006/relationships" xmlns:p="http://schemas.openxmlformats.org/presentationml/2006/main">
   <p:cSld>
+    <p:bg>
+      <p:bgPr>
+        <a:solidFill>
+          <a:srgbClr val="98A392"/>
+        </a:solidFill>
+        <a:effectLst/>
+      </p:bgPr>
+    </p:bg>
     <p:spTree>
       <p:nvGrpSpPr>
         <p:cNvPr id="1" name=""/>
@@ -3093,6 +3100,100 @@
           <a:chExt cx="0" cy="0"/>
         </a:xfrm>
       </p:grpSpPr>
+      <p:pic>
+        <p:nvPicPr>
+          <p:cNvPr id="1029" name="Picture 5" descr="A T12 “Actaeon” Tankette from the rear">
+            <a:extLst>
+              <a:ext uri="{FF2B5EF4-FFF2-40B4-BE49-F238E27FC236}">
+                <a16:creationId xmlns:a16="http://schemas.microsoft.com/office/drawing/2014/main" id="{194A5307-6F7F-3A5F-8155-5526A0D2586E}"/>
+              </a:ext>
+            </a:extLst>
+          </p:cNvPr>
+          <p:cNvPicPr>
+            <a:picLocks noChangeAspect="1" noChangeArrowheads="1"/>
+          </p:cNvPicPr>
+          <p:nvPr/>
+        </p:nvPicPr>
+        <p:blipFill>
+          <a:blip r:embed="rId2">
+            <a:extLst>
+              <a:ext uri="{28A0092B-C50C-407E-A947-70E740481C1C}">
+                <a14:useLocalDpi xmlns:a14="http://schemas.microsoft.com/office/drawing/2010/main" val="0"/>
+              </a:ext>
+            </a:extLst>
+          </a:blip>
+          <a:srcRect/>
+          <a:stretch>
+            <a:fillRect/>
+          </a:stretch>
+        </p:blipFill>
+        <p:spPr bwMode="auto">
+          <a:xfrm>
+            <a:off x="5783841" y="607289"/>
+            <a:ext cx="3066761" cy="2387617"/>
+          </a:xfrm>
+          <a:prstGeom prst="rect">
+            <a:avLst/>
+          </a:prstGeom>
+          <a:noFill/>
+          <a:extLst>
+            <a:ext uri="{909E8E84-426E-40DD-AFC4-6F175D3DCCD1}">
+              <a14:hiddenFill xmlns:a14="http://schemas.microsoft.com/office/drawing/2010/main">
+                <a:solidFill>
+                  <a:srgbClr val="FFFFFF"/>
+                </a:solidFill>
+              </a14:hiddenFill>
+            </a:ext>
+          </a:extLst>
+        </p:spPr>
+      </p:pic>
+      <p:pic>
+        <p:nvPicPr>
+          <p:cNvPr id="1027" name="Picture 3" descr="A T12 “Actaeon” Tankette from the front">
+            <a:extLst>
+              <a:ext uri="{FF2B5EF4-FFF2-40B4-BE49-F238E27FC236}">
+                <a16:creationId xmlns:a16="http://schemas.microsoft.com/office/drawing/2014/main" id="{45DC5655-1E8A-7835-A674-71889550960B}"/>
+              </a:ext>
+            </a:extLst>
+          </p:cNvPr>
+          <p:cNvPicPr>
+            <a:picLocks noChangeAspect="1" noChangeArrowheads="1"/>
+          </p:cNvPicPr>
+          <p:nvPr/>
+        </p:nvPicPr>
+        <p:blipFill>
+          <a:blip r:embed="rId3">
+            <a:extLst>
+              <a:ext uri="{28A0092B-C50C-407E-A947-70E740481C1C}">
+                <a14:useLocalDpi xmlns:a14="http://schemas.microsoft.com/office/drawing/2010/main" val="0"/>
+              </a:ext>
+            </a:extLst>
+          </a:blip>
+          <a:srcRect/>
+          <a:stretch>
+            <a:fillRect/>
+          </a:stretch>
+        </p:blipFill>
+        <p:spPr bwMode="auto">
+          <a:xfrm>
+            <a:off x="293398" y="607290"/>
+            <a:ext cx="3066761" cy="2387617"/>
+          </a:xfrm>
+          <a:prstGeom prst="rect">
+            <a:avLst/>
+          </a:prstGeom>
+          <a:noFill/>
+          <a:extLst>
+            <a:ext uri="{909E8E84-426E-40DD-AFC4-6F175D3DCCD1}">
+              <a14:hiddenFill xmlns:a14="http://schemas.microsoft.com/office/drawing/2010/main">
+                <a:solidFill>
+                  <a:srgbClr val="FFFFFF"/>
+                </a:solidFill>
+              </a14:hiddenFill>
+            </a:ext>
+          </a:extLst>
+        </p:spPr>
+      </p:pic>
       <p:sp>
         <p:nvSpPr>
           <p:cNvPr id="2" name="Title 1"/>
@@ -3100,39 +3201,325 @@
             <a:spLocks noGrp="1"/>
           </p:cNvSpPr>
           <p:nvPr>
-            <p:ph type="ctrTitle"/>
-          </p:nvPr>
-        </p:nvSpPr>
-        <p:spPr/>
-        <p:txBody>
-          <a:bodyPr/>
+            <p:ph type="title"/>
+          </p:nvPr>
+        </p:nvSpPr>
+        <p:spPr>
+          <a:xfrm>
+            <a:off x="457200" y="0"/>
+            <a:ext cx="8229600" cy="607290"/>
+          </a:xfrm>
+        </p:spPr>
+        <p:txBody>
+          <a:bodyPr>
+            <a:normAutofit/>
+          </a:bodyPr>
           <a:lstStyle/>
           <a:p>
             <a:r>
-              <a:rPr dirty="0"/>
-              <a:t>Hello, World!1</a:t>
-            </a:r>
-          </a:p>
-        </p:txBody>
-      </p:sp>
-      <p:sp>
-        <p:nvSpPr>
-          <p:cNvPr id="3" name="Subtitle 2"/>
-          <p:cNvSpPr>
-            <a:spLocks noGrp="1"/>
-          </p:cNvSpPr>
-          <p:nvPr>
-            <p:ph type="subTitle" idx="1"/>
-          </p:nvPr>
-        </p:nvSpPr>
-        <p:spPr/>
-        <p:txBody>
-          <a:bodyPr/>
+              <a:rPr lang="en-US" sz="3200"/>
+              <a:t>T12 “</a:t>
+            </a:r>
+            <a:r>
+              <a:rPr lang="en-US" sz="3200">
+                <a:latin typeface="Bahnschrift Condensed" panose="020B0502040204020203" pitchFamily="34" charset="0"/>
+              </a:rPr>
+              <a:t>Actaeon</a:t>
+            </a:r>
+            <a:r>
+              <a:rPr lang="en-US" sz="3200"/>
+              <a:t>” Tankette</a:t>
+            </a:r>
+            <a:endParaRPr sz="3200"/>
+          </a:p>
+        </p:txBody>
+      </p:sp>
+      <p:sp>
+        <p:nvSpPr>
+          <p:cNvPr id="3" name="TextBox 2">
+            <a:extLst>
+              <a:ext uri="{FF2B5EF4-FFF2-40B4-BE49-F238E27FC236}">
+                <a16:creationId xmlns:a16="http://schemas.microsoft.com/office/drawing/2014/main" id="{B56778D4-C159-F89E-C149-93D074E89FFC}"/>
+              </a:ext>
+            </a:extLst>
+          </p:cNvPr>
+          <p:cNvSpPr txBox="1"/>
+          <p:nvPr/>
+        </p:nvSpPr>
+        <p:spPr>
+          <a:xfrm>
+            <a:off x="293398" y="3138584"/>
+            <a:ext cx="4018100" cy="3293209"/>
+          </a:xfrm>
+          <a:prstGeom prst="rect">
+            <a:avLst/>
+          </a:prstGeom>
+          <a:noFill/>
+        </p:spPr>
+        <p:txBody>
+          <a:bodyPr wrap="square" rtlCol="0">
+            <a:spAutoFit/>
+          </a:bodyPr>
           <a:lstStyle/>
           <a:p>
             <a:r>
-              <a:rPr dirty="0"/>
-              <a:t>python-pptx was here!</a:t>
+              <a:rPr sz="1600">
+                <a:latin typeface="Bahnschrift Condensed"/>
+              </a:rPr>
+              <a:t>ХП - 12000 ед</a:t>
+            </a:r>
+          </a:p>
+          <a:p>
+            <a:r>
+              <a:rPr sz="1600">
+                <a:latin typeface="Bahnschrift Condensed"/>
+              </a:rPr>
+              <a:t>Броня - 17650 ед</a:t>
+            </a:r>
+          </a:p>
+          <a:p>
+            <a:r>
+              <a:rPr sz="1600">
+                <a:latin typeface="Bahnschrift Condensed"/>
+              </a:rPr>
+              <a:t>Подбит при - &lt;50% ХП</a:t>
+            </a:r>
+          </a:p>
+          <a:p>
+            <a:r>
+              <a:rPr sz="1600">
+                <a:latin typeface="Bahnschrift Condensed"/>
+              </a:rPr>
+              <a:t>П.П/У: | 20мм - 27-40/54-80 | фласки - 19/37 | липкие бомбы - 15/30 | рпг - 14/27 | 40мм - 12/24 | нкг - 11/21 | 68мм - 10/20 | мины - 8/15 | 75мм - 5/9 | 94.5мм - 4/7 |</a:t>
+            </a:r>
+          </a:p>
+          <a:p>
+            <a:r>
+              <a:rPr sz="1600">
+                <a:latin typeface="Bahnschrift Condensed"/>
+              </a:rPr>
+              <a:t>Базовый шанс пробития - 22%</a:t>
+            </a:r>
+          </a:p>
+          <a:p>
+            <a:r>
+              <a:rPr sz="1600">
+                <a:latin typeface="Bahnschrift Condensed"/>
+              </a:rPr>
+              <a:t>Максимальная степень износа танковой брони - 50%</a:t>
+            </a:r>
+          </a:p>
+          <a:p>
+            <a:r>
+              <a:rPr sz="1600">
+                <a:latin typeface="Bahnschrift Condensed"/>
+              </a:rPr>
+              <a:t>Шанс подбития подсистем:</a:t>
+            </a:r>
+          </a:p>
+          <a:p>
+            <a:pPr lvl="1"/>
+            <a:r>
+              <a:rPr sz="1600">
+                <a:latin typeface="Bahnschrift Condensed"/>
+              </a:rPr>
+              <a:t>Гусеницы - 20%</a:t>
+            </a:r>
+          </a:p>
+          <a:p>
+            <a:pPr lvl="1"/>
+            <a:r>
+              <a:rPr sz="1600">
+                <a:latin typeface="Bahnschrift Condensed"/>
+              </a:rPr>
+              <a:t>Топливный бак - 10%</a:t>
+            </a:r>
+          </a:p>
+          <a:p>
+            <a:pPr lvl="1"/>
+            <a:r>
+              <a:rPr sz="1600">
+                <a:latin typeface="Bahnschrift Condensed"/>
+              </a:rPr>
+              <a:t>Орудие - 15%</a:t>
+            </a:r>
+          </a:p>
+          <a:p>
+            <a:pPr lvl="1"/>
+            <a:r>
+              <a:rPr sz="1600">
+                <a:latin typeface="Bahnschrift Condensed"/>
+              </a:rPr>
+              <a:t>Вторичное оружие - 25%</a:t>
+            </a:r>
+          </a:p>
+        </p:txBody>
+      </p:sp>
+      <p:sp>
+        <p:nvSpPr>
+          <p:cNvPr id="4" name="TextBox 3">
+            <a:extLst>
+              <a:ext uri="{FF2B5EF4-FFF2-40B4-BE49-F238E27FC236}">
+                <a16:creationId xmlns:a16="http://schemas.microsoft.com/office/drawing/2014/main" id="{1AFA6D14-3E7B-8FEB-9C98-020D1F0A7704}"/>
+              </a:ext>
+            </a:extLst>
+          </p:cNvPr>
+          <p:cNvSpPr txBox="1"/>
+          <p:nvPr/>
+        </p:nvSpPr>
+        <p:spPr>
+          <a:xfrm>
+            <a:off x="4311498" y="3138584"/>
+            <a:ext cx="4832502" cy="3785652"/>
+          </a:xfrm>
+          <a:prstGeom prst="rect">
+            <a:avLst/>
+          </a:prstGeom>
+          <a:noFill/>
+        </p:spPr>
+        <p:txBody>
+          <a:bodyPr wrap="square" rtlCol="0">
+            <a:spAutoFit/>
+          </a:bodyPr>
+          <a:lstStyle/>
+          <a:p>
+            <a:r>
+              <a:rPr sz="1600">
+                <a:latin typeface="Bahnschrift Condensed"/>
+              </a:rPr>
+              <a:t>Стоимость полной починки - 235 бматов</a:t>
+            </a:r>
+          </a:p>
+          <a:p>
+            <a:r>
+              <a:rPr sz="1600">
+                <a:latin typeface="Bahnschrift Condensed"/>
+              </a:rPr>
+              <a:t>Скорость: по д</a:t>
+            </a:r>
+            <a:r>
+              <a:rPr lang="en-US" sz="1600">
+                <a:latin typeface="Bahnschrift Condensed"/>
+              </a:rPr>
+              <a:t>a</a:t>
+            </a:r>
+            <a:r>
+              <a:rPr sz="1600">
+                <a:latin typeface="Bahnschrift Condensed"/>
+              </a:rPr>
+              <a:t>ороге - 7.21 м/с, по внедорожью - 5.05 м/с</a:t>
+            </a:r>
+          </a:p>
+          <a:p>
+            <a:r>
+              <a:rPr sz="1600">
+                <a:latin typeface="Bahnschrift Condensed"/>
+              </a:rPr>
+              <a:t>Объём бака: 600 л</a:t>
+            </a:r>
+          </a:p>
+          <a:p>
+            <a:r>
+              <a:rPr sz="1600">
+                <a:latin typeface="Bahnschrift Condensed"/>
+              </a:rPr>
+              <a:t>Потребление: 3 л/мин</a:t>
+            </a:r>
+          </a:p>
+          <a:p>
+            <a:r>
+              <a:rPr sz="1600">
+                <a:latin typeface="Bahnschrift Condensed"/>
+              </a:rPr>
+              <a:t>Время хода: 20:00</a:t>
+            </a:r>
+          </a:p>
+          <a:p>
+            <a:r>
+              <a:rPr sz="1600">
+                <a:latin typeface="Bahnschrift Condensed"/>
+              </a:rPr>
+              <a:t>Вооружение:</a:t>
+            </a:r>
+          </a:p>
+          <a:p>
+            <a:pPr lvl="1"/>
+            <a:r>
+              <a:rPr sz="1600">
+                <a:latin typeface="Bahnschrift Condensed"/>
+              </a:rPr>
+              <a:t>2 четырехствольных гранатомета | 0.75 + 3 сек. | 30 метров</a:t>
+            </a:r>
+          </a:p>
+          <a:p>
+            <a:pPr lvl="1"/>
+            <a:r>
+              <a:rPr sz="1600">
+                <a:latin typeface="Bahnschrift Condensed"/>
+              </a:rPr>
+              <a:t>94,5-мм пушка | 2 + 6 сек. | 40 метров</a:t>
+            </a:r>
+          </a:p>
+          <a:p>
+            <a:r>
+              <a:rPr sz="1600">
+                <a:latin typeface="Bahnschrift Condensed"/>
+              </a:rPr>
+              <a:t>Экипаж:</a:t>
+            </a:r>
+          </a:p>
+          <a:p>
+            <a:pPr lvl="1"/>
+            <a:r>
+              <a:rPr sz="1600">
+                <a:latin typeface="Bahnschrift Condensed"/>
+              </a:rPr>
+              <a:t>Мехвод</a:t>
+            </a:r>
+          </a:p>
+          <a:p>
+            <a:pPr lvl="1"/>
+            <a:r>
+              <a:rPr sz="1600">
+                <a:latin typeface="Bahnschrift Condensed"/>
+              </a:rPr>
+              <a:t>Наводчик</a:t>
+            </a:r>
+          </a:p>
+          <a:p>
+            <a:pPr lvl="1"/>
+            <a:r>
+              <a:rPr sz="1600">
+                <a:latin typeface="Bahnschrift Condensed"/>
+              </a:rPr>
+              <a:t>Средний вспомогательный стрелок</a:t>
+            </a:r>
+          </a:p>
+          <a:p>
+            <a:pPr lvl="1"/>
+            <a:r>
+              <a:rPr sz="1600">
+                <a:latin typeface="Bahnschrift Condensed"/>
+              </a:rPr>
+              <a:t>Задний вспомогательный стрелок</a:t>
+            </a:r>
+          </a:p>
+          <a:p>
+            <a:pPr lvl="1"/>
+            <a:r>
+              <a:rPr sz="1600">
+                <a:latin typeface="Bahnschrift Condensed"/>
+              </a:rPr>
+              <a:t>Командир</a:t>
+            </a:r>
+          </a:p>
+          <a:p>
+            <a:pPr lvl="1"/>
+            <a:r>
+              <a:rPr sz="1600">
+                <a:latin typeface="Bahnschrift Condensed"/>
+              </a:rPr>
+              <a:t>Инженер</a:t>
             </a:r>
           </a:p>
         </p:txBody>
@@ -3164,32 +3551,10 @@
       </p:grpSpPr>
       <p:sp>
         <p:nvSpPr>
-          <p:cNvPr id="2" name="Title 1"/>
-          <p:cNvSpPr>
-            <a:spLocks noGrp="1"/>
-          </p:cNvSpPr>
-          <p:nvPr>
-            <p:ph type="title"/>
-          </p:nvPr>
-        </p:nvSpPr>
-        <p:spPr/>
-        <p:txBody>
-          <a:bodyPr/>
-          <a:lstStyle/>
-          <a:p>
-            <a:r>
-              <a:rPr dirty="0"/>
-              <a:t>hasta2</a:t>
-            </a:r>
-          </a:p>
-        </p:txBody>
-      </p:sp>
-      <p:sp>
-        <p:nvSpPr>
           <p:cNvPr id="3" name="TextBox 2">
             <a:extLst>
               <a:ext uri="{FF2B5EF4-FFF2-40B4-BE49-F238E27FC236}">
-                <a16:creationId xmlns:a16="http://schemas.microsoft.com/office/drawing/2014/main" id="{B56778D4-C159-F89E-C149-93D074E89FFC}"/>
+                <a16:creationId xmlns:a16="http://schemas.microsoft.com/office/drawing/2014/main" id="{B86F10E6-1093-1424-70BB-551B7811B7F9}"/>
               </a:ext>
             </a:extLst>
           </p:cNvPr>
@@ -3198,8 +3563,8 @@
         </p:nvSpPr>
         <p:spPr>
           <a:xfrm>
-            <a:off x="221674" y="2532366"/>
-            <a:ext cx="3602181" cy="4247317"/>
+            <a:off x="221674" y="2351359"/>
+            <a:ext cx="4485746" cy="4678204"/>
           </a:xfrm>
           <a:prstGeom prst="rect">
             <a:avLst/>
@@ -3212,351 +3577,440 @@
           </a:bodyPr>
           <a:lstStyle/>
           <a:p>
-            <a:r>
-              <a:rPr sz="1500" dirty="0">
-                <a:latin typeface="Bahnschrift Condensed"/>
-              </a:rPr>
-              <a:t>ХП - 1150 </a:t>
-            </a:r>
-            <a:r>
-              <a:rPr sz="1500" dirty="0" err="1">
-                <a:latin typeface="Bahnschrift Condensed"/>
-              </a:rPr>
-              <a:t>ед</a:t>
-            </a:r>
-            <a:endParaRPr sz="1500" dirty="0">
-              <a:latin typeface="Bahnschrift Condensed"/>
+            <a:pPr marL="342900" indent="-342900" algn="l">
+              <a:lnSpc>
+                <a:spcPts val="1300"/>
+              </a:lnSpc>
+              <a:spcBef>
+                <a:spcPts val="600"/>
+              </a:spcBef>
+              <a:buChar char="•"/>
+            </a:pPr>
+            <a:r>
+              <a:rPr lang="ru-RU" sz="1500">
+                <a:ln w="0">
+                  <a:noFill/>
+                </a:ln>
+                <a:solidFill>
+                  <a:srgbClr val="031507"/>
+                </a:solidFill>
+                <a:latin typeface="Bahnschrift Condensed" panose="020B0502040204020203" pitchFamily="34" charset="0"/>
+              </a:rPr>
+              <a:t>ХП - 1150 ед</a:t>
+            </a:r>
+            <a:endParaRPr lang="en-US" sz="1500">
+              <a:ln w="0">
+                <a:noFill/>
+              </a:ln>
+              <a:solidFill>
+                <a:srgbClr val="031507"/>
+              </a:solidFill>
+              <a:latin typeface="Bahnschrift Condensed" panose="020B0502040204020203" pitchFamily="34" charset="0"/>
             </a:endParaRPr>
           </a:p>
           <a:p>
-            <a:r>
-              <a:rPr sz="1500" dirty="0" err="1">
-                <a:latin typeface="Bahnschrift Condensed"/>
-              </a:rPr>
-              <a:t>Броня</a:t>
-            </a:r>
-            <a:r>
-              <a:rPr sz="1500" dirty="0">
-                <a:latin typeface="Bahnschrift Condensed"/>
-              </a:rPr>
-              <a:t> - 7200 </a:t>
-            </a:r>
-            <a:r>
-              <a:rPr sz="1500" dirty="0" err="1">
-                <a:latin typeface="Bahnschrift Condensed"/>
-              </a:rPr>
-              <a:t>ед</a:t>
-            </a:r>
-            <a:endParaRPr sz="1500" dirty="0">
-              <a:latin typeface="Bahnschrift Condensed"/>
+            <a:pPr marL="342900" indent="-342900">
+              <a:lnSpc>
+                <a:spcPts val="1300"/>
+              </a:lnSpc>
+              <a:spcBef>
+                <a:spcPts val="600"/>
+              </a:spcBef>
+              <a:buFontTx/>
+              <a:buChar char="•"/>
+            </a:pPr>
+            <a:r>
+              <a:rPr lang="ru-RU" sz="1500">
+                <a:ln w="0">
+                  <a:noFill/>
+                </a:ln>
+                <a:solidFill>
+                  <a:srgbClr val="031507"/>
+                </a:solidFill>
+                <a:latin typeface="Bahnschrift Condensed" panose="020B0502040204020203" pitchFamily="34" charset="0"/>
+              </a:rPr>
+              <a:t>Броня - 7200 ед</a:t>
+            </a:r>
+          </a:p>
+          <a:p>
+            <a:pPr marL="342900" indent="-342900" algn="l">
+              <a:lnSpc>
+                <a:spcPts val="1300"/>
+              </a:lnSpc>
+              <a:spcBef>
+                <a:spcPts val="600"/>
+              </a:spcBef>
+              <a:buChar char="•"/>
+            </a:pPr>
+            <a:r>
+              <a:rPr lang="ru-RU" sz="1500">
+                <a:ln w="0">
+                  <a:noFill/>
+                </a:ln>
+                <a:solidFill>
+                  <a:srgbClr val="031507"/>
+                </a:solidFill>
+                <a:latin typeface="Bahnschrift Condensed" panose="020B0502040204020203" pitchFamily="34" charset="0"/>
+              </a:rPr>
+              <a:t>Подбит при - &lt;30% ХП</a:t>
+            </a:r>
+          </a:p>
+          <a:p>
+            <a:pPr marL="342900" indent="-342900">
+              <a:lnSpc>
+                <a:spcPts val="1300"/>
+              </a:lnSpc>
+              <a:spcBef>
+                <a:spcPts val="600"/>
+              </a:spcBef>
+              <a:buChar char="•"/>
+            </a:pPr>
+            <a:r>
+              <a:rPr lang="ru-RU" sz="1500">
+                <a:ln w="0">
+                  <a:noFill/>
+                </a:ln>
+                <a:solidFill>
+                  <a:srgbClr val="031507"/>
+                </a:solidFill>
+                <a:latin typeface="Bahnschrift Condensed" panose="020B0502040204020203" pitchFamily="34" charset="0"/>
+              </a:rPr>
+              <a:t>П.П/У: </a:t>
+            </a:r>
+          </a:p>
+          <a:p>
+            <a:pPr marL="800100" lvl="1" indent="-342900">
+              <a:lnSpc>
+                <a:spcPts val="1300"/>
+              </a:lnSpc>
+              <a:spcBef>
+                <a:spcPts val="600"/>
+              </a:spcBef>
+              <a:buChar char="•"/>
+            </a:pPr>
+            <a:r>
+              <a:rPr lang="ru-RU" sz="1500">
+                <a:ln w="0">
+                  <a:noFill/>
+                </a:ln>
+                <a:solidFill>
+                  <a:srgbClr val="031507"/>
+                </a:solidFill>
+                <a:latin typeface="Bahnschrift Condensed" panose="020B0502040204020203" pitchFamily="34" charset="0"/>
+              </a:rPr>
+              <a:t>20мм - 4-6/6-8</a:t>
+            </a:r>
+          </a:p>
+          <a:p>
+            <a:pPr marL="800100" lvl="1" indent="-342900">
+              <a:lnSpc>
+                <a:spcPts val="1300"/>
+              </a:lnSpc>
+              <a:spcBef>
+                <a:spcPts val="600"/>
+              </a:spcBef>
+              <a:buChar char="•"/>
+            </a:pPr>
+            <a:r>
+              <a:rPr lang="ru-RU" sz="1500">
+                <a:ln w="0">
+                  <a:noFill/>
+                </a:ln>
+                <a:solidFill>
+                  <a:srgbClr val="031507"/>
+                </a:solidFill>
+                <a:latin typeface="Bahnschrift Condensed" panose="020B0502040204020203" pitchFamily="34" charset="0"/>
+              </a:rPr>
+              <a:t>фласки - 3/4</a:t>
+            </a:r>
+          </a:p>
+          <a:p>
+            <a:pPr marL="800100" lvl="1" indent="-342900">
+              <a:lnSpc>
+                <a:spcPts val="1300"/>
+              </a:lnSpc>
+              <a:spcBef>
+                <a:spcPts val="600"/>
+              </a:spcBef>
+              <a:buChar char="•"/>
+            </a:pPr>
+            <a:r>
+              <a:rPr lang="ru-RU" sz="1500">
+                <a:ln w="0">
+                  <a:noFill/>
+                </a:ln>
+                <a:solidFill>
+                  <a:srgbClr val="031507"/>
+                </a:solidFill>
+                <a:latin typeface="Bahnschrift Condensed" panose="020B0502040204020203" pitchFamily="34" charset="0"/>
+              </a:rPr>
+              <a:t>липкие бомбы – 2/3</a:t>
+            </a:r>
+          </a:p>
+          <a:p>
+            <a:pPr marL="800100" lvl="1" indent="-342900">
+              <a:lnSpc>
+                <a:spcPts val="1300"/>
+              </a:lnSpc>
+              <a:spcBef>
+                <a:spcPts val="600"/>
+              </a:spcBef>
+              <a:buChar char="•"/>
+            </a:pPr>
+            <a:r>
+              <a:rPr lang="ru-RU" sz="1500">
+                <a:ln w="0">
+                  <a:noFill/>
+                </a:ln>
+                <a:solidFill>
+                  <a:srgbClr val="031507"/>
+                </a:solidFill>
+                <a:latin typeface="Bahnschrift Condensed" panose="020B0502040204020203" pitchFamily="34" charset="0"/>
+              </a:rPr>
+              <a:t>РПГ – 2/3</a:t>
+            </a:r>
+          </a:p>
+          <a:p>
+            <a:pPr marL="800100" lvl="1" indent="-342900">
+              <a:lnSpc>
+                <a:spcPts val="1300"/>
+              </a:lnSpc>
+              <a:spcBef>
+                <a:spcPts val="600"/>
+              </a:spcBef>
+              <a:buChar char="•"/>
+            </a:pPr>
+            <a:r>
+              <a:rPr lang="ru-RU" sz="1500">
+                <a:ln w="0">
+                  <a:noFill/>
+                </a:ln>
+                <a:solidFill>
+                  <a:srgbClr val="031507"/>
+                </a:solidFill>
+                <a:latin typeface="Bahnschrift Condensed" panose="020B0502040204020203" pitchFamily="34" charset="0"/>
+              </a:rPr>
+              <a:t>40мм - 2/3</a:t>
+            </a:r>
+          </a:p>
+          <a:p>
+            <a:pPr marL="800100" lvl="1" indent="-342900">
+              <a:lnSpc>
+                <a:spcPts val="1300"/>
+              </a:lnSpc>
+              <a:spcBef>
+                <a:spcPts val="600"/>
+              </a:spcBef>
+              <a:buChar char="•"/>
+            </a:pPr>
+            <a:r>
+              <a:rPr lang="ru-RU" sz="1500">
+                <a:ln w="0">
+                  <a:noFill/>
+                </a:ln>
+                <a:solidFill>
+                  <a:srgbClr val="031507"/>
+                </a:solidFill>
+                <a:latin typeface="Bahnschrift Condensed" panose="020B0502040204020203" pitchFamily="34" charset="0"/>
+              </a:rPr>
+              <a:t>НКГ -  2/2</a:t>
+            </a:r>
+          </a:p>
+          <a:p>
+            <a:pPr marL="800100" lvl="1" indent="-342900">
+              <a:lnSpc>
+                <a:spcPts val="1300"/>
+              </a:lnSpc>
+              <a:spcBef>
+                <a:spcPts val="600"/>
+              </a:spcBef>
+              <a:buChar char="•"/>
+            </a:pPr>
+            <a:r>
+              <a:rPr lang="ru-RU" sz="1500">
+                <a:ln w="0">
+                  <a:noFill/>
+                </a:ln>
+                <a:solidFill>
+                  <a:srgbClr val="031507"/>
+                </a:solidFill>
+                <a:latin typeface="Bahnschrift Condensed" panose="020B0502040204020203" pitchFamily="34" charset="0"/>
+              </a:rPr>
+              <a:t>68мм - 2/2</a:t>
+            </a:r>
+          </a:p>
+          <a:p>
+            <a:pPr marL="800100" lvl="1" indent="-342900">
+              <a:lnSpc>
+                <a:spcPts val="1300"/>
+              </a:lnSpc>
+              <a:spcBef>
+                <a:spcPts val="600"/>
+              </a:spcBef>
+              <a:buChar char="•"/>
+            </a:pPr>
+            <a:r>
+              <a:rPr lang="ru-RU" sz="1500">
+                <a:ln w="0">
+                  <a:noFill/>
+                </a:ln>
+                <a:solidFill>
+                  <a:srgbClr val="031507"/>
+                </a:solidFill>
+                <a:latin typeface="Bahnschrift Condensed" panose="020B0502040204020203" pitchFamily="34" charset="0"/>
+              </a:rPr>
+              <a:t>мины - 1/2</a:t>
+            </a:r>
+          </a:p>
+          <a:p>
+            <a:pPr marL="800100" lvl="1" indent="-342900">
+              <a:lnSpc>
+                <a:spcPts val="1300"/>
+              </a:lnSpc>
+              <a:spcBef>
+                <a:spcPts val="600"/>
+              </a:spcBef>
+              <a:buChar char="•"/>
+            </a:pPr>
+            <a:r>
+              <a:rPr lang="ru-RU" sz="1500">
+                <a:ln w="0">
+                  <a:noFill/>
+                </a:ln>
+                <a:solidFill>
+                  <a:srgbClr val="031507"/>
+                </a:solidFill>
+                <a:latin typeface="Bahnschrift Condensed" panose="020B0502040204020203" pitchFamily="34" charset="0"/>
+              </a:rPr>
+              <a:t>75мм – 1/1</a:t>
+            </a:r>
+          </a:p>
+          <a:p>
+            <a:pPr marL="800100" lvl="1" indent="-342900">
+              <a:lnSpc>
+                <a:spcPts val="1300"/>
+              </a:lnSpc>
+              <a:spcBef>
+                <a:spcPts val="600"/>
+              </a:spcBef>
+              <a:buChar char="•"/>
+            </a:pPr>
+            <a:r>
+              <a:rPr lang="ru-RU" sz="1500">
+                <a:ln w="0">
+                  <a:noFill/>
+                </a:ln>
+                <a:solidFill>
+                  <a:srgbClr val="031507"/>
+                </a:solidFill>
+                <a:latin typeface="Bahnschrift Condensed" panose="020B0502040204020203" pitchFamily="34" charset="0"/>
+              </a:rPr>
+              <a:t>94.5мм – 1/1</a:t>
+            </a:r>
+          </a:p>
+          <a:p>
+            <a:pPr marL="342900" indent="-342900" algn="l">
+              <a:lnSpc>
+                <a:spcPts val="1300"/>
+              </a:lnSpc>
+              <a:spcBef>
+                <a:spcPts val="600"/>
+              </a:spcBef>
+              <a:buChar char="•"/>
+            </a:pPr>
+            <a:r>
+              <a:rPr lang="ru-RU" sz="1500">
+                <a:ln w="0">
+                  <a:noFill/>
+                </a:ln>
+                <a:solidFill>
+                  <a:srgbClr val="031507"/>
+                </a:solidFill>
+                <a:latin typeface="Bahnschrift Condensed" panose="020B0502040204020203" pitchFamily="34" charset="0"/>
+              </a:rPr>
+              <a:t>Базовый шанс пробития - 60%</a:t>
+            </a:r>
+          </a:p>
+          <a:p>
+            <a:pPr marL="342900" indent="-342900" algn="l">
+              <a:lnSpc>
+                <a:spcPts val="1300"/>
+              </a:lnSpc>
+              <a:spcBef>
+                <a:spcPts val="600"/>
+              </a:spcBef>
+              <a:buChar char="•"/>
+            </a:pPr>
+            <a:r>
+              <a:rPr lang="ru-RU" sz="1500">
+                <a:ln w="0">
+                  <a:noFill/>
+                </a:ln>
+                <a:solidFill>
+                  <a:srgbClr val="031507"/>
+                </a:solidFill>
+                <a:latin typeface="Bahnschrift Condensed" panose="020B0502040204020203" pitchFamily="34" charset="0"/>
+              </a:rPr>
+              <a:t>Максимальная степень износа танковой брони - 90%</a:t>
+            </a:r>
+          </a:p>
+          <a:p>
+            <a:pPr marL="342900" indent="-342900" algn="l">
+              <a:lnSpc>
+                <a:spcPts val="1300"/>
+              </a:lnSpc>
+              <a:spcBef>
+                <a:spcPts val="600"/>
+              </a:spcBef>
+              <a:buChar char="•"/>
+            </a:pPr>
+            <a:r>
+              <a:rPr lang="ru-RU" sz="1500">
+                <a:ln w="0">
+                  <a:noFill/>
+                </a:ln>
+                <a:solidFill>
+                  <a:srgbClr val="031507"/>
+                </a:solidFill>
+                <a:latin typeface="Bahnschrift Condensed" panose="020B0502040204020203" pitchFamily="34" charset="0"/>
+              </a:rPr>
+              <a:t>Шанс подбития подсистем:</a:t>
+            </a:r>
+            <a:endParaRPr lang="en-US" sz="1500">
+              <a:ln w="0">
+                <a:noFill/>
+              </a:ln>
+              <a:solidFill>
+                <a:srgbClr val="031507"/>
+              </a:solidFill>
+              <a:latin typeface="Bahnschrift Condensed" panose="020B0502040204020203" pitchFamily="34" charset="0"/>
             </a:endParaRPr>
           </a:p>
           <a:p>
-            <a:r>
-              <a:rPr sz="1500" dirty="0" err="1">
-                <a:latin typeface="Bahnschrift Condensed"/>
-              </a:rPr>
-              <a:t>Подбит</a:t>
-            </a:r>
-            <a:r>
-              <a:rPr sz="1500" dirty="0">
-                <a:latin typeface="Bahnschrift Condensed"/>
-              </a:rPr>
-              <a:t> </a:t>
-            </a:r>
-            <a:r>
-              <a:rPr sz="1500" dirty="0" err="1">
-                <a:latin typeface="Bahnschrift Condensed"/>
-              </a:rPr>
-              <a:t>при</a:t>
-            </a:r>
-            <a:r>
-              <a:rPr sz="1500" dirty="0">
-                <a:latin typeface="Bahnschrift Condensed"/>
-              </a:rPr>
-              <a:t> - &lt;30% ХП</a:t>
-            </a:r>
-          </a:p>
-          <a:p>
-            <a:r>
-              <a:rPr sz="1500" dirty="0">
-                <a:latin typeface="Bahnschrift Condensed"/>
-              </a:rPr>
-              <a:t>П.П/У:</a:t>
-            </a:r>
-          </a:p>
-          <a:p>
-            <a:pPr lvl="1"/>
-            <a:r>
-              <a:rPr sz="1500" dirty="0">
-                <a:latin typeface="Bahnschrift Condensed"/>
-              </a:rPr>
-              <a:t>20мм - 4-6/6-8</a:t>
-            </a:r>
-          </a:p>
-          <a:p>
-            <a:pPr lvl="1"/>
-            <a:r>
-              <a:rPr sz="1500" dirty="0" err="1">
-                <a:latin typeface="Bahnschrift Condensed"/>
-              </a:rPr>
-              <a:t>фласки</a:t>
-            </a:r>
-            <a:r>
-              <a:rPr sz="1500" dirty="0">
-                <a:latin typeface="Bahnschrift Condensed"/>
-              </a:rPr>
-              <a:t> - 3/4</a:t>
-            </a:r>
-          </a:p>
-          <a:p>
-            <a:pPr lvl="1"/>
-            <a:r>
-              <a:rPr sz="1500" dirty="0" err="1">
-                <a:latin typeface="Bahnschrift Condensed"/>
-              </a:rPr>
-              <a:t>липкие</a:t>
-            </a:r>
-            <a:r>
-              <a:rPr sz="1500" dirty="0">
-                <a:latin typeface="Bahnschrift Condensed"/>
-              </a:rPr>
-              <a:t> </a:t>
-            </a:r>
-            <a:r>
-              <a:rPr sz="1500" dirty="0" err="1">
-                <a:latin typeface="Bahnschrift Condensed"/>
-              </a:rPr>
-              <a:t>бомбы</a:t>
-            </a:r>
-            <a:r>
-              <a:rPr sz="1500" dirty="0">
-                <a:latin typeface="Bahnschrift Condensed"/>
-              </a:rPr>
-              <a:t> - 2/3</a:t>
-            </a:r>
-          </a:p>
-          <a:p>
-            <a:pPr lvl="1"/>
-            <a:r>
-              <a:rPr sz="1500" dirty="0">
-                <a:latin typeface="Bahnschrift Condensed"/>
-              </a:rPr>
-              <a:t>РПГ - 2/3</a:t>
-            </a:r>
-          </a:p>
-          <a:p>
-            <a:pPr lvl="1"/>
-            <a:r>
-              <a:rPr sz="1500" dirty="0">
-                <a:latin typeface="Bahnschrift Condensed"/>
-              </a:rPr>
-              <a:t>40мм - 2/3</a:t>
-            </a:r>
-          </a:p>
-          <a:p>
-            <a:pPr lvl="1"/>
-            <a:r>
-              <a:rPr sz="1500" dirty="0">
-                <a:latin typeface="Bahnschrift Condensed"/>
-              </a:rPr>
-              <a:t>НКГ - 2/2</a:t>
-            </a:r>
-          </a:p>
-          <a:p>
-            <a:pPr lvl="1"/>
-            <a:r>
-              <a:rPr sz="1500" dirty="0">
-                <a:latin typeface="Bahnschrift Condensed"/>
-              </a:rPr>
-              <a:t>68мм - 2/2</a:t>
-            </a:r>
-          </a:p>
-          <a:p>
-            <a:pPr lvl="1"/>
-            <a:r>
-              <a:rPr sz="1500" dirty="0" err="1">
-                <a:latin typeface="Bahnschrift Condensed"/>
-              </a:rPr>
-              <a:t>мины</a:t>
-            </a:r>
-            <a:r>
-              <a:rPr sz="1500" dirty="0">
-                <a:latin typeface="Bahnschrift Condensed"/>
-              </a:rPr>
-              <a:t> - 1/2</a:t>
-            </a:r>
-          </a:p>
-          <a:p>
-            <a:pPr lvl="1"/>
-            <a:r>
-              <a:rPr sz="1500" dirty="0">
-                <a:latin typeface="Bahnschrift Condensed"/>
-              </a:rPr>
-              <a:t>75мм - 1/1</a:t>
-            </a:r>
-          </a:p>
-          <a:p>
-            <a:pPr lvl="1"/>
-            <a:r>
-              <a:rPr sz="1500" dirty="0">
-                <a:latin typeface="Bahnschrift Condensed"/>
-              </a:rPr>
-              <a:t>94.5мм - 1/1</a:t>
-            </a:r>
-          </a:p>
-          <a:p>
-            <a:r>
-              <a:rPr sz="1500" dirty="0" err="1">
-                <a:latin typeface="Bahnschrift Condensed"/>
-              </a:rPr>
-              <a:t>Базовый</a:t>
-            </a:r>
-            <a:r>
-              <a:rPr sz="1500" dirty="0">
-                <a:latin typeface="Bahnschrift Condensed"/>
-              </a:rPr>
-              <a:t> </a:t>
-            </a:r>
-            <a:r>
-              <a:rPr sz="1500" dirty="0" err="1">
-                <a:latin typeface="Bahnschrift Condensed"/>
-              </a:rPr>
-              <a:t>шанс</a:t>
-            </a:r>
-            <a:r>
-              <a:rPr sz="1500" dirty="0">
-                <a:latin typeface="Bahnschrift Condensed"/>
-              </a:rPr>
-              <a:t> </a:t>
-            </a:r>
-            <a:r>
-              <a:rPr sz="1500" dirty="0" err="1">
-                <a:latin typeface="Bahnschrift Condensed"/>
-              </a:rPr>
-              <a:t>пробития</a:t>
-            </a:r>
-            <a:r>
-              <a:rPr sz="1500" dirty="0">
-                <a:latin typeface="Bahnschrift Condensed"/>
-              </a:rPr>
-              <a:t> - 60%</a:t>
-            </a:r>
-          </a:p>
-          <a:p>
-            <a:r>
-              <a:rPr sz="1500" dirty="0" err="1">
-                <a:latin typeface="Bahnschrift Condensed"/>
-              </a:rPr>
-              <a:t>Максимальная</a:t>
-            </a:r>
-            <a:r>
-              <a:rPr sz="1500" dirty="0">
-                <a:latin typeface="Bahnschrift Condensed"/>
-              </a:rPr>
-              <a:t> </a:t>
-            </a:r>
-            <a:r>
-              <a:rPr sz="1500" dirty="0" err="1">
-                <a:latin typeface="Bahnschrift Condensed"/>
-              </a:rPr>
-              <a:t>степень</a:t>
-            </a:r>
-            <a:r>
-              <a:rPr sz="1500" dirty="0">
-                <a:latin typeface="Bahnschrift Condensed"/>
-              </a:rPr>
-              <a:t> </a:t>
-            </a:r>
-            <a:r>
-              <a:rPr sz="1500" dirty="0" err="1">
-                <a:latin typeface="Bahnschrift Condensed"/>
-              </a:rPr>
-              <a:t>износа</a:t>
-            </a:r>
-            <a:r>
-              <a:rPr sz="1500" dirty="0">
-                <a:latin typeface="Bahnschrift Condensed"/>
-              </a:rPr>
-              <a:t> </a:t>
-            </a:r>
-            <a:r>
-              <a:rPr sz="1500" dirty="0" err="1">
-                <a:latin typeface="Bahnschrift Condensed"/>
-              </a:rPr>
-              <a:t>танковой</a:t>
-            </a:r>
-            <a:r>
-              <a:rPr sz="1500" dirty="0">
-                <a:latin typeface="Bahnschrift Condensed"/>
-              </a:rPr>
-              <a:t> </a:t>
-            </a:r>
-            <a:r>
-              <a:rPr sz="1500" dirty="0" err="1">
-                <a:latin typeface="Bahnschrift Condensed"/>
-              </a:rPr>
-              <a:t>брони</a:t>
-            </a:r>
-            <a:r>
-              <a:rPr sz="1500" dirty="0">
-                <a:latin typeface="Bahnschrift Condensed"/>
-              </a:rPr>
-              <a:t> - 90%</a:t>
-            </a:r>
-          </a:p>
-          <a:p>
-            <a:r>
-              <a:rPr sz="1500" dirty="0" err="1">
-                <a:latin typeface="Bahnschrift Condensed"/>
-              </a:rPr>
-              <a:t>Шанс</a:t>
-            </a:r>
-            <a:r>
-              <a:rPr sz="1500" dirty="0">
-                <a:latin typeface="Bahnschrift Condensed"/>
-              </a:rPr>
-              <a:t> </a:t>
-            </a:r>
-            <a:r>
-              <a:rPr sz="1500" dirty="0" err="1">
-                <a:latin typeface="Bahnschrift Condensed"/>
-              </a:rPr>
-              <a:t>подбития</a:t>
-            </a:r>
-            <a:r>
-              <a:rPr sz="1500" dirty="0">
-                <a:latin typeface="Bahnschrift Condensed"/>
-              </a:rPr>
-              <a:t> </a:t>
-            </a:r>
-            <a:r>
-              <a:rPr sz="1500" dirty="0" err="1">
-                <a:latin typeface="Bahnschrift Condensed"/>
-              </a:rPr>
-              <a:t>подсистем</a:t>
-            </a:r>
-            <a:r>
-              <a:rPr sz="1500" dirty="0">
-                <a:latin typeface="Bahnschrift Condensed"/>
-              </a:rPr>
-              <a:t>:</a:t>
-            </a:r>
-          </a:p>
-          <a:p>
-            <a:pPr lvl="1"/>
-            <a:r>
-              <a:rPr sz="1500" dirty="0" err="1">
-                <a:latin typeface="Bahnschrift Condensed"/>
-              </a:rPr>
-              <a:t>Гусеницы</a:t>
-            </a:r>
-            <a:r>
-              <a:rPr sz="1500" dirty="0">
-                <a:latin typeface="Bahnschrift Condensed"/>
-              </a:rPr>
-              <a:t> - 30%</a:t>
-            </a:r>
+            <a:pPr marL="800100" lvl="1" indent="-342900">
+              <a:lnSpc>
+                <a:spcPts val="1300"/>
+              </a:lnSpc>
+              <a:spcBef>
+                <a:spcPts val="600"/>
+              </a:spcBef>
+              <a:buChar char="•"/>
+            </a:pPr>
+            <a:r>
+              <a:rPr lang="ru-RU" sz="1500">
+                <a:ln w="0">
+                  <a:noFill/>
+                </a:ln>
+                <a:solidFill>
+                  <a:srgbClr val="031507"/>
+                </a:solidFill>
+                <a:latin typeface="Bahnschrift Condensed" panose="020B0502040204020203" pitchFamily="34" charset="0"/>
+              </a:rPr>
+              <a:t>гусеницы - 30%</a:t>
+            </a:r>
+          </a:p>
+          <a:p>
+            <a:endParaRPr lang="ru-RU"/>
           </a:p>
         </p:txBody>
       </p:sp>
@@ -3565,7 +4019,7 @@
           <p:cNvPr id="4" name="TextBox 3">
             <a:extLst>
               <a:ext uri="{FF2B5EF4-FFF2-40B4-BE49-F238E27FC236}">
-                <a16:creationId xmlns:a16="http://schemas.microsoft.com/office/drawing/2014/main" id="{1AFA6D14-3E7B-8FEB-9C98-020D1F0A7704}"/>
+                <a16:creationId xmlns:a16="http://schemas.microsoft.com/office/drawing/2014/main" id="{DD9B1A75-7892-2991-932E-F16D803DDF7F}"/>
               </a:ext>
             </a:extLst>
           </p:cNvPr>
@@ -3574,8 +4028,8 @@
         </p:nvSpPr>
         <p:spPr>
           <a:xfrm>
-            <a:off x="6063674" y="2136772"/>
-            <a:ext cx="1445490" cy="369332"/>
+            <a:off x="4331855" y="3724564"/>
+            <a:ext cx="4812145" cy="2955681"/>
           </a:xfrm>
           <a:prstGeom prst="rect">
             <a:avLst/>
@@ -3588,15 +4042,372 @@
           </a:bodyPr>
           <a:lstStyle/>
           <a:p>
-            <a:r>
-              <a:rPr lang="en-US" dirty="0"/>
-              <a:t>2</a:t>
-            </a:r>
-            <a:endParaRPr dirty="0"/>
+            <a:pPr marL="342900" indent="-342900" algn="l">
+              <a:lnSpc>
+                <a:spcPts val="1300"/>
+              </a:lnSpc>
+              <a:spcBef>
+                <a:spcPts val="600"/>
+              </a:spcBef>
+              <a:buChar char="•"/>
+            </a:pPr>
+            <a:r>
+              <a:rPr lang="ru-RU" sz="1800">
+                <a:ln w="0">
+                  <a:noFill/>
+                </a:ln>
+                <a:solidFill>
+                  <a:srgbClr val="031507"/>
+                </a:solidFill>
+                <a:latin typeface="Bahnschrift Condensed" panose="020B0502040204020203" pitchFamily="34" charset="0"/>
+              </a:rPr>
+              <a:t>Стоимость полной починки - 120 Бматов</a:t>
+            </a:r>
+          </a:p>
+          <a:p>
+            <a:pPr marL="342900" indent="-342900" algn="l">
+              <a:lnSpc>
+                <a:spcPts val="1300"/>
+              </a:lnSpc>
+              <a:spcBef>
+                <a:spcPts val="600"/>
+              </a:spcBef>
+              <a:buChar char="•"/>
+            </a:pPr>
+            <a:r>
+              <a:rPr lang="ru-RU" sz="1800">
+                <a:ln w="0">
+                  <a:noFill/>
+                </a:ln>
+                <a:solidFill>
+                  <a:srgbClr val="031507"/>
+                </a:solidFill>
+                <a:latin typeface="Bahnschrift Condensed" panose="020B0502040204020203" pitchFamily="34" charset="0"/>
+              </a:rPr>
+              <a:t>Скорость: по дороге - 5.4 м/с, по внедорожью - 4.59 м/с</a:t>
+            </a:r>
+          </a:p>
+          <a:p>
+            <a:pPr marL="342900" indent="-342900" algn="l">
+              <a:lnSpc>
+                <a:spcPts val="1300"/>
+              </a:lnSpc>
+              <a:spcBef>
+                <a:spcPts val="600"/>
+              </a:spcBef>
+              <a:buChar char="•"/>
+            </a:pPr>
+            <a:r>
+              <a:rPr lang="ru-RU" sz="1800">
+                <a:ln w="0">
+                  <a:noFill/>
+                </a:ln>
+                <a:solidFill>
+                  <a:srgbClr val="031507"/>
+                </a:solidFill>
+                <a:latin typeface="Bahnschrift Condensed" panose="020B0502040204020203" pitchFamily="34" charset="0"/>
+              </a:rPr>
+              <a:t>Объём бака: 150 л</a:t>
+            </a:r>
+            <a:endParaRPr lang="en-US" sz="1800">
+              <a:ln w="0">
+                <a:noFill/>
+              </a:ln>
+              <a:solidFill>
+                <a:srgbClr val="031507"/>
+              </a:solidFill>
+              <a:latin typeface="Bahnschrift Condensed" panose="020B0502040204020203" pitchFamily="34" charset="0"/>
+            </a:endParaRPr>
+          </a:p>
+          <a:p>
+            <a:pPr marL="342900" indent="-342900" algn="l">
+              <a:lnSpc>
+                <a:spcPts val="1300"/>
+              </a:lnSpc>
+              <a:spcBef>
+                <a:spcPts val="600"/>
+              </a:spcBef>
+              <a:buChar char="•"/>
+            </a:pPr>
+            <a:r>
+              <a:rPr lang="ru-RU" sz="1800">
+                <a:ln w="0">
+                  <a:noFill/>
+                </a:ln>
+                <a:solidFill>
+                  <a:srgbClr val="031507"/>
+                </a:solidFill>
+                <a:latin typeface="Bahnschrift Condensed" panose="020B0502040204020203" pitchFamily="34" charset="0"/>
+              </a:rPr>
+              <a:t>Потребление: 6 л/мин</a:t>
+            </a:r>
+          </a:p>
+          <a:p>
+            <a:pPr marL="342900" indent="-342900" algn="l">
+              <a:lnSpc>
+                <a:spcPts val="1300"/>
+              </a:lnSpc>
+              <a:spcBef>
+                <a:spcPts val="600"/>
+              </a:spcBef>
+              <a:buChar char="•"/>
+            </a:pPr>
+            <a:r>
+              <a:rPr lang="ru-RU" sz="1800">
+                <a:ln w="0">
+                  <a:noFill/>
+                </a:ln>
+                <a:solidFill>
+                  <a:srgbClr val="031507"/>
+                </a:solidFill>
+                <a:latin typeface="Bahnschrift Condensed" panose="020B0502040204020203" pitchFamily="34" charset="0"/>
+              </a:rPr>
+              <a:t>Время хода: 25</a:t>
+            </a:r>
+            <a:r>
+              <a:rPr lang="en-US" sz="1800">
+                <a:ln w="0">
+                  <a:noFill/>
+                </a:ln>
+                <a:solidFill>
+                  <a:srgbClr val="031507"/>
+                </a:solidFill>
+                <a:latin typeface="Bahnschrift Condensed" panose="020B0502040204020203" pitchFamily="34" charset="0"/>
+              </a:rPr>
+              <a:t>:00</a:t>
+            </a:r>
+            <a:endParaRPr lang="ru-RU" sz="1800">
+              <a:ln w="0">
+                <a:noFill/>
+              </a:ln>
+              <a:solidFill>
+                <a:srgbClr val="031507"/>
+              </a:solidFill>
+              <a:latin typeface="Bahnschrift Condensed" panose="020B0502040204020203" pitchFamily="34" charset="0"/>
+            </a:endParaRPr>
+          </a:p>
+          <a:p>
+            <a:pPr marL="342900" indent="-342900" algn="l">
+              <a:lnSpc>
+                <a:spcPts val="1300"/>
+              </a:lnSpc>
+              <a:spcBef>
+                <a:spcPts val="600"/>
+              </a:spcBef>
+              <a:buChar char="•"/>
+            </a:pPr>
+            <a:r>
+              <a:rPr lang="ru-RU" sz="1800">
+                <a:ln w="0">
+                  <a:noFill/>
+                </a:ln>
+                <a:latin typeface="Bahnschrift Condensed" panose="020B0502040204020203" pitchFamily="34" charset="0"/>
+              </a:rPr>
+              <a:t>Вооружение: 12.7мм пулемёт</a:t>
+            </a:r>
+          </a:p>
+          <a:p>
+            <a:pPr marL="342900" indent="-342900" algn="l">
+              <a:lnSpc>
+                <a:spcPts val="1300"/>
+              </a:lnSpc>
+              <a:spcBef>
+                <a:spcPts val="600"/>
+              </a:spcBef>
+              <a:buChar char="•"/>
+            </a:pPr>
+            <a:r>
+              <a:rPr lang="ru-RU" sz="1800">
+                <a:ln w="0">
+                  <a:noFill/>
+                </a:ln>
+                <a:latin typeface="Bahnschrift Condensed" panose="020B0502040204020203" pitchFamily="34" charset="0"/>
+              </a:rPr>
+              <a:t>Перезарядка: 3.5 с</a:t>
+            </a:r>
+          </a:p>
+          <a:p>
+            <a:pPr marL="342900" indent="-342900" algn="l">
+              <a:lnSpc>
+                <a:spcPts val="1300"/>
+              </a:lnSpc>
+              <a:spcBef>
+                <a:spcPts val="600"/>
+              </a:spcBef>
+              <a:buChar char="•"/>
+            </a:pPr>
+            <a:r>
+              <a:rPr lang="ru-RU" sz="1800">
+                <a:ln w="0">
+                  <a:noFill/>
+                </a:ln>
+                <a:latin typeface="Bahnschrift Condensed" panose="020B0502040204020203" pitchFamily="34" charset="0"/>
+              </a:rPr>
+              <a:t>Дальность: 40 м</a:t>
+            </a:r>
+          </a:p>
+          <a:p>
+            <a:pPr marL="342900" indent="-342900" algn="l">
+              <a:lnSpc>
+                <a:spcPts val="1300"/>
+              </a:lnSpc>
+              <a:spcBef>
+                <a:spcPts val="600"/>
+              </a:spcBef>
+              <a:buChar char="•"/>
+            </a:pPr>
+            <a:r>
+              <a:rPr lang="ru-RU" sz="1800">
+                <a:ln w="0">
+                  <a:noFill/>
+                </a:ln>
+                <a:solidFill>
+                  <a:srgbClr val="031507"/>
+                </a:solidFill>
+                <a:latin typeface="Bahnschrift Condensed" panose="020B0502040204020203" pitchFamily="34" charset="0"/>
+              </a:rPr>
+              <a:t>Экипаж: </a:t>
+            </a:r>
+            <a:endParaRPr lang="en-US" sz="1800">
+              <a:ln w="0">
+                <a:noFill/>
+              </a:ln>
+              <a:solidFill>
+                <a:srgbClr val="031507"/>
+              </a:solidFill>
+              <a:latin typeface="Bahnschrift Condensed" panose="020B0502040204020203" pitchFamily="34" charset="0"/>
+            </a:endParaRPr>
+          </a:p>
+          <a:p>
+            <a:pPr marL="800100" lvl="1" indent="-342900">
+              <a:lnSpc>
+                <a:spcPts val="1300"/>
+              </a:lnSpc>
+              <a:spcBef>
+                <a:spcPts val="600"/>
+              </a:spcBef>
+              <a:buChar char="•"/>
+            </a:pPr>
+            <a:r>
+              <a:rPr lang="ru-RU">
+                <a:ln w="0">
+                  <a:noFill/>
+                </a:ln>
+                <a:solidFill>
+                  <a:srgbClr val="031507"/>
+                </a:solidFill>
+                <a:latin typeface="Bahnschrift Condensed" panose="020B0502040204020203" pitchFamily="34" charset="0"/>
+              </a:rPr>
+              <a:t>водитель </a:t>
+            </a:r>
+            <a:endParaRPr lang="en-US">
+              <a:ln w="0">
+                <a:noFill/>
+              </a:ln>
+              <a:solidFill>
+                <a:srgbClr val="031507"/>
+              </a:solidFill>
+              <a:latin typeface="Bahnschrift Condensed" panose="020B0502040204020203" pitchFamily="34" charset="0"/>
+            </a:endParaRPr>
+          </a:p>
+          <a:p>
+            <a:pPr marL="800100" lvl="1" indent="-342900">
+              <a:lnSpc>
+                <a:spcPts val="1300"/>
+              </a:lnSpc>
+              <a:spcBef>
+                <a:spcPts val="600"/>
+              </a:spcBef>
+              <a:buChar char="•"/>
+            </a:pPr>
+            <a:r>
+              <a:rPr lang="ru-RU">
+                <a:ln w="0">
+                  <a:noFill/>
+                </a:ln>
+                <a:solidFill>
+                  <a:srgbClr val="031507"/>
+                </a:solidFill>
+                <a:latin typeface="Bahnschrift Condensed" panose="020B0502040204020203" pitchFamily="34" charset="0"/>
+              </a:rPr>
+              <a:t>наводчик </a:t>
+            </a:r>
+            <a:endParaRPr lang="en-US">
+              <a:ln w="0">
+                <a:noFill/>
+              </a:ln>
+              <a:solidFill>
+                <a:srgbClr val="031507"/>
+              </a:solidFill>
+              <a:latin typeface="Bahnschrift Condensed" panose="020B0502040204020203" pitchFamily="34" charset="0"/>
+            </a:endParaRPr>
+          </a:p>
+          <a:p>
+            <a:pPr marL="800100" lvl="1" indent="-342900">
+              <a:lnSpc>
+                <a:spcPts val="1300"/>
+              </a:lnSpc>
+              <a:spcBef>
+                <a:spcPts val="600"/>
+              </a:spcBef>
+              <a:buChar char="•"/>
+            </a:pPr>
+            <a:r>
+              <a:rPr lang="ru-RU">
+                <a:ln w="0">
+                  <a:noFill/>
+                </a:ln>
+                <a:solidFill>
+                  <a:srgbClr val="031507"/>
+                </a:solidFill>
+                <a:latin typeface="Bahnschrift Condensed" panose="020B0502040204020203" pitchFamily="34" charset="0"/>
+              </a:rPr>
+              <a:t>пассажиры</a:t>
+            </a:r>
+            <a:endParaRPr lang="ru-RU"/>
+          </a:p>
+        </p:txBody>
+      </p:sp>
+      <p:sp>
+        <p:nvSpPr>
+          <p:cNvPr id="5" name="Title 1">
+            <a:extLst>
+              <a:ext uri="{FF2B5EF4-FFF2-40B4-BE49-F238E27FC236}">
+                <a16:creationId xmlns:a16="http://schemas.microsoft.com/office/drawing/2014/main" id="{1B2BE21F-1E12-08EE-70DB-B33F653CAB5C}"/>
+              </a:ext>
+            </a:extLst>
+          </p:cNvPr>
+          <p:cNvSpPr>
+            <a:spLocks noGrp="1"/>
+          </p:cNvSpPr>
+          <p:nvPr>
+            <p:ph type="title"/>
+          </p:nvPr>
+        </p:nvSpPr>
+        <p:spPr>
+          <a:xfrm>
+            <a:off x="457200" y="274638"/>
+            <a:ext cx="8229600" cy="1143000"/>
+          </a:xfrm>
+        </p:spPr>
+        <p:txBody>
+          <a:bodyPr/>
+          <a:lstStyle/>
+          <a:p>
+            <a:r>
+              <a:rPr lang="ru-RU"/>
+              <a:t>танкетка</a:t>
+            </a:r>
+            <a:endParaRPr/>
           </a:p>
         </p:txBody>
       </p:sp>
     </p:spTree>
+    <p:extLst>
+      <p:ext uri="{BB962C8B-B14F-4D97-AF65-F5344CB8AC3E}">
+        <p14:creationId xmlns:p14="http://schemas.microsoft.com/office/powerpoint/2010/main" val="4256229177"/>
+      </p:ext>
+    </p:extLst>
   </p:cSld>
   <p:clrMapOvr>
     <a:masterClrMapping/>
@@ -3659,7 +4470,7 @@
               <a:buChar char="•"/>
             </a:pPr>
             <a:r>
-              <a:rPr lang="ru-RU" sz="1500" dirty="0">
+              <a:rPr lang="ru-RU" sz="1500">
                 <a:ln w="0">
                   <a:noFill/>
                 </a:ln>
@@ -3670,7 +4481,7 @@
               </a:rPr>
               <a:t>ХП - 1150 ед</a:t>
             </a:r>
-            <a:endParaRPr lang="en-US" sz="1500" dirty="0">
+            <a:endParaRPr lang="en-US" sz="1500">
               <a:ln w="0">
                 <a:noFill/>
               </a:ln>
@@ -3692,7 +4503,7 @@
               <a:buChar char="•"/>
             </a:pPr>
             <a:r>
-              <a:rPr lang="ru-RU" sz="1500" dirty="0">
+              <a:rPr lang="ru-RU" sz="1500">
                 <a:ln w="0">
                   <a:noFill/>
                 </a:ln>
@@ -3715,7 +4526,7 @@
               <a:buChar char="•"/>
             </a:pPr>
             <a:r>
-              <a:rPr lang="ru-RU" sz="1500" dirty="0">
+              <a:rPr lang="ru-RU" sz="1500">
                 <a:ln w="0">
                   <a:noFill/>
                 </a:ln>
@@ -3738,7 +4549,7 @@
               <a:buChar char="•"/>
             </a:pPr>
             <a:r>
-              <a:rPr lang="ru-RU" sz="1500" dirty="0">
+              <a:rPr lang="ru-RU" sz="1500">
                 <a:ln w="0">
                   <a:noFill/>
                 </a:ln>
@@ -3761,7 +4572,7 @@
               <a:buChar char="•"/>
             </a:pPr>
             <a:r>
-              <a:rPr lang="ru-RU" sz="1500" dirty="0">
+              <a:rPr lang="ru-RU" sz="1500">
                 <a:ln w="0">
                   <a:noFill/>
                 </a:ln>
@@ -3784,7 +4595,7 @@
               <a:buChar char="•"/>
             </a:pPr>
             <a:r>
-              <a:rPr lang="ru-RU" sz="1500" dirty="0">
+              <a:rPr lang="ru-RU" sz="1500">
                 <a:ln w="0">
                   <a:noFill/>
                 </a:ln>
@@ -3807,7 +4618,7 @@
               <a:buChar char="•"/>
             </a:pPr>
             <a:r>
-              <a:rPr lang="ru-RU" sz="1500" dirty="0">
+              <a:rPr lang="ru-RU" sz="1500">
                 <a:ln w="0">
                   <a:noFill/>
                 </a:ln>
@@ -3830,7 +4641,7 @@
               <a:buChar char="•"/>
             </a:pPr>
             <a:r>
-              <a:rPr lang="ru-RU" sz="1500" dirty="0">
+              <a:rPr lang="ru-RU" sz="1500">
                 <a:ln w="0">
                   <a:noFill/>
                 </a:ln>
@@ -3853,7 +4664,7 @@
               <a:buChar char="•"/>
             </a:pPr>
             <a:r>
-              <a:rPr lang="ru-RU" sz="1500" dirty="0">
+              <a:rPr lang="ru-RU" sz="1500">
                 <a:ln w="0">
                   <a:noFill/>
                 </a:ln>
@@ -3876,7 +4687,7 @@
               <a:buChar char="•"/>
             </a:pPr>
             <a:r>
-              <a:rPr lang="ru-RU" sz="1500" dirty="0">
+              <a:rPr lang="ru-RU" sz="1500">
                 <a:ln w="0">
                   <a:noFill/>
                 </a:ln>
@@ -3899,7 +4710,7 @@
               <a:buChar char="•"/>
             </a:pPr>
             <a:r>
-              <a:rPr lang="ru-RU" sz="1500" dirty="0">
+              <a:rPr lang="ru-RU" sz="1500">
                 <a:ln w="0">
                   <a:noFill/>
                 </a:ln>
@@ -3922,7 +4733,7 @@
               <a:buChar char="•"/>
             </a:pPr>
             <a:r>
-              <a:rPr lang="ru-RU" sz="1500" dirty="0">
+              <a:rPr lang="ru-RU" sz="1500">
                 <a:ln w="0">
                   <a:noFill/>
                 </a:ln>
@@ -3945,7 +4756,7 @@
               <a:buChar char="•"/>
             </a:pPr>
             <a:r>
-              <a:rPr lang="ru-RU" sz="1500" dirty="0">
+              <a:rPr lang="ru-RU" sz="1500">
                 <a:ln w="0">
                   <a:noFill/>
                 </a:ln>
@@ -3968,7 +4779,7 @@
               <a:buChar char="•"/>
             </a:pPr>
             <a:r>
-              <a:rPr lang="ru-RU" sz="1500" dirty="0">
+              <a:rPr lang="ru-RU" sz="1500">
                 <a:ln w="0">
                   <a:noFill/>
                 </a:ln>
@@ -3991,7 +4802,7 @@
               <a:buChar char="•"/>
             </a:pPr>
             <a:r>
-              <a:rPr lang="ru-RU" sz="1500" dirty="0">
+              <a:rPr lang="ru-RU" sz="1500">
                 <a:ln w="0">
                   <a:noFill/>
                 </a:ln>
@@ -4014,7 +4825,7 @@
               <a:buChar char="•"/>
             </a:pPr>
             <a:r>
-              <a:rPr lang="ru-RU" sz="1500" dirty="0">
+              <a:rPr lang="ru-RU" sz="1500">
                 <a:ln w="0">
                   <a:noFill/>
                 </a:ln>
@@ -4037,7 +4848,7 @@
               <a:buChar char="•"/>
             </a:pPr>
             <a:r>
-              <a:rPr lang="ru-RU" sz="1500" dirty="0">
+              <a:rPr lang="ru-RU" sz="1500">
                 <a:ln w="0">
                   <a:noFill/>
                 </a:ln>
@@ -4048,7 +4859,7 @@
               </a:rPr>
               <a:t>Шанс подбития подсистем:</a:t>
             </a:r>
-            <a:endParaRPr lang="en-US" sz="1500" dirty="0">
+            <a:endParaRPr lang="en-US" sz="1500">
               <a:ln w="0">
                 <a:noFill/>
               </a:ln>
@@ -4069,7 +4880,7 @@
               <a:buChar char="•"/>
             </a:pPr>
             <a:r>
-              <a:rPr lang="ru-RU" sz="1500" dirty="0">
+              <a:rPr lang="ru-RU" sz="1500">
                 <a:ln w="0">
                   <a:noFill/>
                 </a:ln>
@@ -4082,922 +4893,7 @@
             </a:r>
           </a:p>
           <a:p>
-            <a:endParaRPr lang="ru-RU" dirty="0"/>
-          </a:p>
-        </p:txBody>
-      </p:sp>
-      <p:sp>
-        <p:nvSpPr>
-          <p:cNvPr id="4" name="TextBox 3">
-            <a:extLst>
-              <a:ext uri="{FF2B5EF4-FFF2-40B4-BE49-F238E27FC236}">
-                <a16:creationId xmlns:a16="http://schemas.microsoft.com/office/drawing/2014/main" id="{DD9B1A75-7892-2991-932E-F16D803DDF7F}"/>
-              </a:ext>
-            </a:extLst>
-          </p:cNvPr>
-          <p:cNvSpPr txBox="1"/>
-          <p:nvPr/>
-        </p:nvSpPr>
-        <p:spPr>
-          <a:xfrm>
-            <a:off x="4331855" y="3724564"/>
-            <a:ext cx="4812145" cy="2955681"/>
-          </a:xfrm>
-          <a:prstGeom prst="rect">
-            <a:avLst/>
-          </a:prstGeom>
-          <a:noFill/>
-        </p:spPr>
-        <p:txBody>
-          <a:bodyPr wrap="square" rtlCol="0">
-            <a:spAutoFit/>
-          </a:bodyPr>
-          <a:lstStyle/>
-          <a:p>
-            <a:pPr marL="342900" indent="-342900" algn="l">
-              <a:lnSpc>
-                <a:spcPts val="1300"/>
-              </a:lnSpc>
-              <a:spcBef>
-                <a:spcPts val="600"/>
-              </a:spcBef>
-              <a:buChar char="•"/>
-            </a:pPr>
-            <a:r>
-              <a:rPr lang="ru-RU" sz="1800" dirty="0">
-                <a:ln w="0">
-                  <a:noFill/>
-                </a:ln>
-                <a:solidFill>
-                  <a:srgbClr val="031507"/>
-                </a:solidFill>
-                <a:latin typeface="Bahnschrift Condensed" panose="020B0502040204020203" pitchFamily="34" charset="0"/>
-              </a:rPr>
-              <a:t>Стоимость полной починки - 120 Бматов</a:t>
-            </a:r>
-          </a:p>
-          <a:p>
-            <a:pPr marL="342900" indent="-342900" algn="l">
-              <a:lnSpc>
-                <a:spcPts val="1300"/>
-              </a:lnSpc>
-              <a:spcBef>
-                <a:spcPts val="600"/>
-              </a:spcBef>
-              <a:buChar char="•"/>
-            </a:pPr>
-            <a:r>
-              <a:rPr lang="ru-RU" sz="1800" dirty="0">
-                <a:ln w="0">
-                  <a:noFill/>
-                </a:ln>
-                <a:solidFill>
-                  <a:srgbClr val="031507"/>
-                </a:solidFill>
-                <a:latin typeface="Bahnschrift Condensed" panose="020B0502040204020203" pitchFamily="34" charset="0"/>
-              </a:rPr>
-              <a:t>Скорость: по дороге - 5.4 м/с, по </a:t>
-            </a:r>
-            <a:r>
-              <a:rPr lang="ru-RU" sz="1800" dirty="0" err="1">
-                <a:ln w="0">
-                  <a:noFill/>
-                </a:ln>
-                <a:solidFill>
-                  <a:srgbClr val="031507"/>
-                </a:solidFill>
-                <a:latin typeface="Bahnschrift Condensed" panose="020B0502040204020203" pitchFamily="34" charset="0"/>
-              </a:rPr>
-              <a:t>внедорожью</a:t>
-            </a:r>
-            <a:r>
-              <a:rPr lang="ru-RU" sz="1800" dirty="0">
-                <a:ln w="0">
-                  <a:noFill/>
-                </a:ln>
-                <a:solidFill>
-                  <a:srgbClr val="031507"/>
-                </a:solidFill>
-                <a:latin typeface="Bahnschrift Condensed" panose="020B0502040204020203" pitchFamily="34" charset="0"/>
-              </a:rPr>
-              <a:t> - 4.59 м/с</a:t>
-            </a:r>
-          </a:p>
-          <a:p>
-            <a:pPr marL="342900" indent="-342900" algn="l">
-              <a:lnSpc>
-                <a:spcPts val="1300"/>
-              </a:lnSpc>
-              <a:spcBef>
-                <a:spcPts val="600"/>
-              </a:spcBef>
-              <a:buChar char="•"/>
-            </a:pPr>
-            <a:r>
-              <a:rPr lang="ru-RU" sz="1800" dirty="0">
-                <a:ln w="0">
-                  <a:noFill/>
-                </a:ln>
-                <a:solidFill>
-                  <a:srgbClr val="031507"/>
-                </a:solidFill>
-                <a:latin typeface="Bahnschrift Condensed" panose="020B0502040204020203" pitchFamily="34" charset="0"/>
-              </a:rPr>
-              <a:t>Объём бака: 150 л</a:t>
-            </a:r>
-            <a:endParaRPr lang="en-US" sz="1800" dirty="0">
-              <a:ln w="0">
-                <a:noFill/>
-              </a:ln>
-              <a:solidFill>
-                <a:srgbClr val="031507"/>
-              </a:solidFill>
-              <a:latin typeface="Bahnschrift Condensed" panose="020B0502040204020203" pitchFamily="34" charset="0"/>
-            </a:endParaRPr>
-          </a:p>
-          <a:p>
-            <a:pPr marL="342900" indent="-342900" algn="l">
-              <a:lnSpc>
-                <a:spcPts val="1300"/>
-              </a:lnSpc>
-              <a:spcBef>
-                <a:spcPts val="600"/>
-              </a:spcBef>
-              <a:buChar char="•"/>
-            </a:pPr>
-            <a:r>
-              <a:rPr lang="ru-RU" sz="1800" dirty="0">
-                <a:ln w="0">
-                  <a:noFill/>
-                </a:ln>
-                <a:solidFill>
-                  <a:srgbClr val="031507"/>
-                </a:solidFill>
-                <a:latin typeface="Bahnschrift Condensed" panose="020B0502040204020203" pitchFamily="34" charset="0"/>
-              </a:rPr>
-              <a:t>Потребление: 6 л/мин</a:t>
-            </a:r>
-          </a:p>
-          <a:p>
-            <a:pPr marL="342900" indent="-342900" algn="l">
-              <a:lnSpc>
-                <a:spcPts val="1300"/>
-              </a:lnSpc>
-              <a:spcBef>
-                <a:spcPts val="600"/>
-              </a:spcBef>
-              <a:buChar char="•"/>
-            </a:pPr>
-            <a:r>
-              <a:rPr lang="ru-RU" sz="1800" dirty="0">
-                <a:ln w="0">
-                  <a:noFill/>
-                </a:ln>
-                <a:solidFill>
-                  <a:srgbClr val="031507"/>
-                </a:solidFill>
-                <a:latin typeface="Bahnschrift Condensed" panose="020B0502040204020203" pitchFamily="34" charset="0"/>
-              </a:rPr>
-              <a:t>Время хода: 25</a:t>
-            </a:r>
-            <a:r>
-              <a:rPr lang="en-US" sz="1800" dirty="0">
-                <a:ln w="0">
-                  <a:noFill/>
-                </a:ln>
-                <a:solidFill>
-                  <a:srgbClr val="031507"/>
-                </a:solidFill>
-                <a:latin typeface="Bahnschrift Condensed" panose="020B0502040204020203" pitchFamily="34" charset="0"/>
-              </a:rPr>
-              <a:t>:00</a:t>
-            </a:r>
-            <a:endParaRPr lang="ru-RU" sz="1800" dirty="0">
-              <a:ln w="0">
-                <a:noFill/>
-              </a:ln>
-              <a:solidFill>
-                <a:srgbClr val="031507"/>
-              </a:solidFill>
-              <a:latin typeface="Bahnschrift Condensed" panose="020B0502040204020203" pitchFamily="34" charset="0"/>
-            </a:endParaRPr>
-          </a:p>
-          <a:p>
-            <a:pPr marL="342900" indent="-342900" algn="l">
-              <a:lnSpc>
-                <a:spcPts val="1300"/>
-              </a:lnSpc>
-              <a:spcBef>
-                <a:spcPts val="600"/>
-              </a:spcBef>
-              <a:buChar char="•"/>
-            </a:pPr>
-            <a:r>
-              <a:rPr lang="ru-RU" sz="1800" dirty="0">
-                <a:ln w="0">
-                  <a:noFill/>
-                </a:ln>
-                <a:latin typeface="Bahnschrift Condensed" panose="020B0502040204020203" pitchFamily="34" charset="0"/>
-              </a:rPr>
-              <a:t>Вооружение: 12.7мм пулемёт</a:t>
-            </a:r>
-          </a:p>
-          <a:p>
-            <a:pPr marL="342900" indent="-342900" algn="l">
-              <a:lnSpc>
-                <a:spcPts val="1300"/>
-              </a:lnSpc>
-              <a:spcBef>
-                <a:spcPts val="600"/>
-              </a:spcBef>
-              <a:buChar char="•"/>
-            </a:pPr>
-            <a:r>
-              <a:rPr lang="ru-RU" sz="1800" dirty="0">
-                <a:ln w="0">
-                  <a:noFill/>
-                </a:ln>
-                <a:latin typeface="Bahnschrift Condensed" panose="020B0502040204020203" pitchFamily="34" charset="0"/>
-              </a:rPr>
-              <a:t>Перезарядка: 3.5 с</a:t>
-            </a:r>
-          </a:p>
-          <a:p>
-            <a:pPr marL="342900" indent="-342900" algn="l">
-              <a:lnSpc>
-                <a:spcPts val="1300"/>
-              </a:lnSpc>
-              <a:spcBef>
-                <a:spcPts val="600"/>
-              </a:spcBef>
-              <a:buChar char="•"/>
-            </a:pPr>
-            <a:r>
-              <a:rPr lang="ru-RU" sz="1800" dirty="0">
-                <a:ln w="0">
-                  <a:noFill/>
-                </a:ln>
-                <a:latin typeface="Bahnschrift Condensed" panose="020B0502040204020203" pitchFamily="34" charset="0"/>
-              </a:rPr>
-              <a:t>Дальность: 40 м</a:t>
-            </a:r>
-          </a:p>
-          <a:p>
-            <a:pPr marL="342900" indent="-342900" algn="l">
-              <a:lnSpc>
-                <a:spcPts val="1300"/>
-              </a:lnSpc>
-              <a:spcBef>
-                <a:spcPts val="600"/>
-              </a:spcBef>
-              <a:buChar char="•"/>
-            </a:pPr>
-            <a:r>
-              <a:rPr lang="ru-RU" sz="1800" dirty="0">
-                <a:ln w="0">
-                  <a:noFill/>
-                </a:ln>
-                <a:solidFill>
-                  <a:srgbClr val="031507"/>
-                </a:solidFill>
-                <a:latin typeface="Bahnschrift Condensed" panose="020B0502040204020203" pitchFamily="34" charset="0"/>
-              </a:rPr>
-              <a:t>Экипаж: </a:t>
-            </a:r>
-            <a:endParaRPr lang="en-US" sz="1800" dirty="0">
-              <a:ln w="0">
-                <a:noFill/>
-              </a:ln>
-              <a:solidFill>
-                <a:srgbClr val="031507"/>
-              </a:solidFill>
-              <a:latin typeface="Bahnschrift Condensed" panose="020B0502040204020203" pitchFamily="34" charset="0"/>
-            </a:endParaRPr>
-          </a:p>
-          <a:p>
-            <a:pPr marL="800100" lvl="1" indent="-342900">
-              <a:lnSpc>
-                <a:spcPts val="1300"/>
-              </a:lnSpc>
-              <a:spcBef>
-                <a:spcPts val="600"/>
-              </a:spcBef>
-              <a:buChar char="•"/>
-            </a:pPr>
-            <a:r>
-              <a:rPr lang="ru-RU" dirty="0">
-                <a:ln w="0">
-                  <a:noFill/>
-                </a:ln>
-                <a:solidFill>
-                  <a:srgbClr val="031507"/>
-                </a:solidFill>
-                <a:latin typeface="Bahnschrift Condensed" panose="020B0502040204020203" pitchFamily="34" charset="0"/>
-              </a:rPr>
-              <a:t>водитель </a:t>
-            </a:r>
-            <a:endParaRPr lang="en-US" dirty="0">
-              <a:ln w="0">
-                <a:noFill/>
-              </a:ln>
-              <a:solidFill>
-                <a:srgbClr val="031507"/>
-              </a:solidFill>
-              <a:latin typeface="Bahnschrift Condensed" panose="020B0502040204020203" pitchFamily="34" charset="0"/>
-            </a:endParaRPr>
-          </a:p>
-          <a:p>
-            <a:pPr marL="800100" lvl="1" indent="-342900">
-              <a:lnSpc>
-                <a:spcPts val="1300"/>
-              </a:lnSpc>
-              <a:spcBef>
-                <a:spcPts val="600"/>
-              </a:spcBef>
-              <a:buChar char="•"/>
-            </a:pPr>
-            <a:r>
-              <a:rPr lang="ru-RU" dirty="0">
-                <a:ln w="0">
-                  <a:noFill/>
-                </a:ln>
-                <a:solidFill>
-                  <a:srgbClr val="031507"/>
-                </a:solidFill>
-                <a:latin typeface="Bahnschrift Condensed" panose="020B0502040204020203" pitchFamily="34" charset="0"/>
-              </a:rPr>
-              <a:t>наводчик </a:t>
-            </a:r>
-            <a:endParaRPr lang="en-US" dirty="0">
-              <a:ln w="0">
-                <a:noFill/>
-              </a:ln>
-              <a:solidFill>
-                <a:srgbClr val="031507"/>
-              </a:solidFill>
-              <a:latin typeface="Bahnschrift Condensed" panose="020B0502040204020203" pitchFamily="34" charset="0"/>
-            </a:endParaRPr>
-          </a:p>
-          <a:p>
-            <a:pPr marL="800100" lvl="1" indent="-342900">
-              <a:lnSpc>
-                <a:spcPts val="1300"/>
-              </a:lnSpc>
-              <a:spcBef>
-                <a:spcPts val="600"/>
-              </a:spcBef>
-              <a:buChar char="•"/>
-            </a:pPr>
-            <a:r>
-              <a:rPr lang="ru-RU" dirty="0">
-                <a:ln w="0">
-                  <a:noFill/>
-                </a:ln>
-                <a:solidFill>
-                  <a:srgbClr val="031507"/>
-                </a:solidFill>
-                <a:latin typeface="Bahnschrift Condensed" panose="020B0502040204020203" pitchFamily="34" charset="0"/>
-              </a:rPr>
-              <a:t>пассажиры</a:t>
-            </a:r>
-            <a:endParaRPr lang="ru-RU" dirty="0"/>
-          </a:p>
-        </p:txBody>
-      </p:sp>
-      <p:sp>
-        <p:nvSpPr>
-          <p:cNvPr id="5" name="Title 1">
-            <a:extLst>
-              <a:ext uri="{FF2B5EF4-FFF2-40B4-BE49-F238E27FC236}">
-                <a16:creationId xmlns:a16="http://schemas.microsoft.com/office/drawing/2014/main" id="{1B2BE21F-1E12-08EE-70DB-B33F653CAB5C}"/>
-              </a:ext>
-            </a:extLst>
-          </p:cNvPr>
-          <p:cNvSpPr>
-            <a:spLocks noGrp="1"/>
-          </p:cNvSpPr>
-          <p:nvPr>
-            <p:ph type="title"/>
-          </p:nvPr>
-        </p:nvSpPr>
-        <p:spPr>
-          <a:xfrm>
-            <a:off x="457200" y="274638"/>
-            <a:ext cx="8229600" cy="1143000"/>
-          </a:xfrm>
-        </p:spPr>
-        <p:txBody>
-          <a:bodyPr/>
-          <a:lstStyle/>
-          <a:p>
-            <a:r>
-              <a:rPr lang="en-US" dirty="0"/>
-              <a:t>T12 “</a:t>
-            </a:r>
-            <a:r>
-              <a:rPr lang="en-US" sz="3600" dirty="0"/>
-              <a:t>Actaeon</a:t>
-            </a:r>
-            <a:r>
-              <a:rPr lang="en-US" dirty="0"/>
-              <a:t>” Tankette</a:t>
-            </a:r>
-            <a:endParaRPr dirty="0"/>
-          </a:p>
-        </p:txBody>
-      </p:sp>
-    </p:spTree>
-    <p:extLst>
-      <p:ext uri="{BB962C8B-B14F-4D97-AF65-F5344CB8AC3E}">
-        <p14:creationId xmlns:p14="http://schemas.microsoft.com/office/powerpoint/2010/main" val="4256229177"/>
-      </p:ext>
-    </p:extLst>
-  </p:cSld>
-  <p:clrMapOvr>
-    <a:masterClrMapping/>
-  </p:clrMapOvr>
-</p:sld>
-</file>
-
-<file path=ppt/slides/slide4.xml><?xml version="1.0" encoding="utf-8"?>
-<p:sld xmlns:a="http://schemas.openxmlformats.org/drawingml/2006/main" xmlns:r="http://schemas.openxmlformats.org/officeDocument/2006/relationships" xmlns:p="http://schemas.openxmlformats.org/presentationml/2006/main">
-  <p:cSld>
-    <p:spTree>
-      <p:nvGrpSpPr>
-        <p:cNvPr id="1" name=""/>
-        <p:cNvGrpSpPr/>
-        <p:nvPr/>
-      </p:nvGrpSpPr>
-      <p:grpSpPr>
-        <a:xfrm>
-          <a:off x="0" y="0"/>
-          <a:ext cx="0" cy="0"/>
-          <a:chOff x="0" y="0"/>
-          <a:chExt cx="0" cy="0"/>
-        </a:xfrm>
-      </p:grpSpPr>
-      <p:sp>
-        <p:nvSpPr>
-          <p:cNvPr id="3" name="TextBox 2">
-            <a:extLst>
-              <a:ext uri="{FF2B5EF4-FFF2-40B4-BE49-F238E27FC236}">
-                <a16:creationId xmlns:a16="http://schemas.microsoft.com/office/drawing/2014/main" id="{B86F10E6-1093-1424-70BB-551B7811B7F9}"/>
-              </a:ext>
-            </a:extLst>
-          </p:cNvPr>
-          <p:cNvSpPr txBox="1"/>
-          <p:nvPr/>
-        </p:nvSpPr>
-        <p:spPr>
-          <a:xfrm>
-            <a:off x="221674" y="2351359"/>
-            <a:ext cx="4485746" cy="4678204"/>
-          </a:xfrm>
-          <a:prstGeom prst="rect">
-            <a:avLst/>
-          </a:prstGeom>
-          <a:noFill/>
-        </p:spPr>
-        <p:txBody>
-          <a:bodyPr wrap="square" rtlCol="0">
-            <a:spAutoFit/>
-          </a:bodyPr>
-          <a:lstStyle/>
-          <a:p>
-            <a:pPr marL="342900" indent="-342900" algn="l">
-              <a:lnSpc>
-                <a:spcPts val="1300"/>
-              </a:lnSpc>
-              <a:spcBef>
-                <a:spcPts val="600"/>
-              </a:spcBef>
-              <a:buChar char="•"/>
-            </a:pPr>
-            <a:r>
-              <a:rPr lang="ru-RU" sz="1500" dirty="0">
-                <a:ln w="0">
-                  <a:noFill/>
-                </a:ln>
-                <a:solidFill>
-                  <a:srgbClr val="031507"/>
-                </a:solidFill>
-                <a:latin typeface="Bahnschrift Condensed" panose="020B0502040204020203" pitchFamily="34" charset="0"/>
-              </a:rPr>
-              <a:t>ХП - 1150 ед</a:t>
-            </a:r>
-            <a:endParaRPr lang="en-US" sz="1500" dirty="0">
-              <a:ln w="0">
-                <a:noFill/>
-              </a:ln>
-              <a:solidFill>
-                <a:srgbClr val="031507"/>
-              </a:solidFill>
-              <a:latin typeface="Bahnschrift Condensed" panose="020B0502040204020203" pitchFamily="34" charset="0"/>
-            </a:endParaRPr>
-          </a:p>
-          <a:p>
-            <a:pPr marL="342900" indent="-342900">
-              <a:lnSpc>
-                <a:spcPts val="1300"/>
-              </a:lnSpc>
-              <a:spcBef>
-                <a:spcPts val="600"/>
-              </a:spcBef>
-              <a:buFontTx/>
-              <a:buChar char="•"/>
-            </a:pPr>
-            <a:r>
-              <a:rPr lang="ru-RU" sz="1500" dirty="0">
-                <a:ln w="0">
-                  <a:noFill/>
-                </a:ln>
-                <a:solidFill>
-                  <a:srgbClr val="031507"/>
-                </a:solidFill>
-                <a:latin typeface="Bahnschrift Condensed" panose="020B0502040204020203" pitchFamily="34" charset="0"/>
-              </a:rPr>
-              <a:t>Броня - 7200 ед</a:t>
-            </a:r>
-          </a:p>
-          <a:p>
-            <a:pPr marL="342900" indent="-342900" algn="l">
-              <a:lnSpc>
-                <a:spcPts val="1300"/>
-              </a:lnSpc>
-              <a:spcBef>
-                <a:spcPts val="600"/>
-              </a:spcBef>
-              <a:buChar char="•"/>
-            </a:pPr>
-            <a:r>
-              <a:rPr lang="ru-RU" sz="1500" dirty="0">
-                <a:ln w="0">
-                  <a:noFill/>
-                </a:ln>
-                <a:solidFill>
-                  <a:srgbClr val="031507"/>
-                </a:solidFill>
-                <a:latin typeface="Bahnschrift Condensed" panose="020B0502040204020203" pitchFamily="34" charset="0"/>
-              </a:rPr>
-              <a:t>Подбит при - &lt;30% ХП</a:t>
-            </a:r>
-          </a:p>
-          <a:p>
-            <a:pPr marL="342900" indent="-342900">
-              <a:lnSpc>
-                <a:spcPts val="1300"/>
-              </a:lnSpc>
-              <a:spcBef>
-                <a:spcPts val="600"/>
-              </a:spcBef>
-              <a:buChar char="•"/>
-            </a:pPr>
-            <a:r>
-              <a:rPr lang="ru-RU" sz="1500" dirty="0">
-                <a:ln w="0">
-                  <a:noFill/>
-                </a:ln>
-                <a:solidFill>
-                  <a:srgbClr val="031507"/>
-                </a:solidFill>
-                <a:latin typeface="Bahnschrift Condensed" panose="020B0502040204020203" pitchFamily="34" charset="0"/>
-              </a:rPr>
-              <a:t>П.П/У: </a:t>
-            </a:r>
-          </a:p>
-          <a:p>
-            <a:pPr marL="800100" lvl="1" indent="-342900">
-              <a:lnSpc>
-                <a:spcPts val="1300"/>
-              </a:lnSpc>
-              <a:spcBef>
-                <a:spcPts val="600"/>
-              </a:spcBef>
-              <a:buChar char="•"/>
-            </a:pPr>
-            <a:r>
-              <a:rPr lang="ru-RU" sz="1500" dirty="0">
-                <a:ln w="0">
-                  <a:noFill/>
-                </a:ln>
-                <a:solidFill>
-                  <a:srgbClr val="031507"/>
-                </a:solidFill>
-                <a:latin typeface="Bahnschrift Condensed" panose="020B0502040204020203" pitchFamily="34" charset="0"/>
-              </a:rPr>
-              <a:t>20мм - 4-6/6-8</a:t>
-            </a:r>
-          </a:p>
-          <a:p>
-            <a:pPr marL="800100" lvl="1" indent="-342900">
-              <a:lnSpc>
-                <a:spcPts val="1300"/>
-              </a:lnSpc>
-              <a:spcBef>
-                <a:spcPts val="600"/>
-              </a:spcBef>
-              <a:buChar char="•"/>
-            </a:pPr>
-            <a:r>
-              <a:rPr lang="ru-RU" sz="1500" dirty="0">
-                <a:ln w="0">
-                  <a:noFill/>
-                </a:ln>
-                <a:solidFill>
-                  <a:srgbClr val="031507"/>
-                </a:solidFill>
-                <a:latin typeface="Bahnschrift Condensed" panose="020B0502040204020203" pitchFamily="34" charset="0"/>
-              </a:rPr>
-              <a:t>фласки - 3/4</a:t>
-            </a:r>
-          </a:p>
-          <a:p>
-            <a:pPr marL="800100" lvl="1" indent="-342900">
-              <a:lnSpc>
-                <a:spcPts val="1300"/>
-              </a:lnSpc>
-              <a:spcBef>
-                <a:spcPts val="600"/>
-              </a:spcBef>
-              <a:buChar char="•"/>
-            </a:pPr>
-            <a:r>
-              <a:rPr lang="ru-RU" sz="1500" dirty="0">
-                <a:ln w="0">
-                  <a:noFill/>
-                </a:ln>
-                <a:solidFill>
-                  <a:srgbClr val="031507"/>
-                </a:solidFill>
-                <a:latin typeface="Bahnschrift Condensed" panose="020B0502040204020203" pitchFamily="34" charset="0"/>
-              </a:rPr>
-              <a:t>липкие бомбы – 2/3</a:t>
-            </a:r>
-          </a:p>
-          <a:p>
-            <a:pPr marL="800100" lvl="1" indent="-342900">
-              <a:lnSpc>
-                <a:spcPts val="1300"/>
-              </a:lnSpc>
-              <a:spcBef>
-                <a:spcPts val="600"/>
-              </a:spcBef>
-              <a:buChar char="•"/>
-            </a:pPr>
-            <a:r>
-              <a:rPr lang="ru-RU" sz="1500" dirty="0">
-                <a:ln w="0">
-                  <a:noFill/>
-                </a:ln>
-                <a:solidFill>
-                  <a:srgbClr val="031507"/>
-                </a:solidFill>
-                <a:latin typeface="Bahnschrift Condensed" panose="020B0502040204020203" pitchFamily="34" charset="0"/>
-              </a:rPr>
-              <a:t>РПГ – 2/3</a:t>
-            </a:r>
-          </a:p>
-          <a:p>
-            <a:pPr marL="800100" lvl="1" indent="-342900">
-              <a:lnSpc>
-                <a:spcPts val="1300"/>
-              </a:lnSpc>
-              <a:spcBef>
-                <a:spcPts val="600"/>
-              </a:spcBef>
-              <a:buChar char="•"/>
-            </a:pPr>
-            <a:r>
-              <a:rPr lang="ru-RU" sz="1500" dirty="0">
-                <a:ln w="0">
-                  <a:noFill/>
-                </a:ln>
-                <a:solidFill>
-                  <a:srgbClr val="031507"/>
-                </a:solidFill>
-                <a:latin typeface="Bahnschrift Condensed" panose="020B0502040204020203" pitchFamily="34" charset="0"/>
-              </a:rPr>
-              <a:t>40мм - 2/3</a:t>
-            </a:r>
-          </a:p>
-          <a:p>
-            <a:pPr marL="800100" lvl="1" indent="-342900">
-              <a:lnSpc>
-                <a:spcPts val="1300"/>
-              </a:lnSpc>
-              <a:spcBef>
-                <a:spcPts val="600"/>
-              </a:spcBef>
-              <a:buChar char="•"/>
-            </a:pPr>
-            <a:r>
-              <a:rPr lang="ru-RU" sz="1500" dirty="0">
-                <a:ln w="0">
-                  <a:noFill/>
-                </a:ln>
-                <a:solidFill>
-                  <a:srgbClr val="031507"/>
-                </a:solidFill>
-                <a:latin typeface="Bahnschrift Condensed" panose="020B0502040204020203" pitchFamily="34" charset="0"/>
-              </a:rPr>
-              <a:t>НКГ -  2/2</a:t>
-            </a:r>
-          </a:p>
-          <a:p>
-            <a:pPr marL="800100" lvl="1" indent="-342900">
-              <a:lnSpc>
-                <a:spcPts val="1300"/>
-              </a:lnSpc>
-              <a:spcBef>
-                <a:spcPts val="600"/>
-              </a:spcBef>
-              <a:buChar char="•"/>
-            </a:pPr>
-            <a:r>
-              <a:rPr lang="ru-RU" sz="1500" dirty="0">
-                <a:ln w="0">
-                  <a:noFill/>
-                </a:ln>
-                <a:solidFill>
-                  <a:srgbClr val="031507"/>
-                </a:solidFill>
-                <a:latin typeface="Bahnschrift Condensed" panose="020B0502040204020203" pitchFamily="34" charset="0"/>
-              </a:rPr>
-              <a:t>68мм - 2/2</a:t>
-            </a:r>
-          </a:p>
-          <a:p>
-            <a:pPr marL="800100" lvl="1" indent="-342900">
-              <a:lnSpc>
-                <a:spcPts val="1300"/>
-              </a:lnSpc>
-              <a:spcBef>
-                <a:spcPts val="600"/>
-              </a:spcBef>
-              <a:buChar char="•"/>
-            </a:pPr>
-            <a:r>
-              <a:rPr lang="ru-RU" sz="1500" dirty="0">
-                <a:ln w="0">
-                  <a:noFill/>
-                </a:ln>
-                <a:solidFill>
-                  <a:srgbClr val="031507"/>
-                </a:solidFill>
-                <a:latin typeface="Bahnschrift Condensed" panose="020B0502040204020203" pitchFamily="34" charset="0"/>
-              </a:rPr>
-              <a:t>мины - 1/2</a:t>
-            </a:r>
-          </a:p>
-          <a:p>
-            <a:pPr marL="800100" lvl="1" indent="-342900">
-              <a:lnSpc>
-                <a:spcPts val="1300"/>
-              </a:lnSpc>
-              <a:spcBef>
-                <a:spcPts val="600"/>
-              </a:spcBef>
-              <a:buChar char="•"/>
-            </a:pPr>
-            <a:r>
-              <a:rPr lang="ru-RU" sz="1500" dirty="0">
-                <a:ln w="0">
-                  <a:noFill/>
-                </a:ln>
-                <a:solidFill>
-                  <a:srgbClr val="031507"/>
-                </a:solidFill>
-                <a:latin typeface="Bahnschrift Condensed" panose="020B0502040204020203" pitchFamily="34" charset="0"/>
-              </a:rPr>
-              <a:t>75мм – 1/1</a:t>
-            </a:r>
-          </a:p>
-          <a:p>
-            <a:pPr marL="800100" lvl="1" indent="-342900">
-              <a:lnSpc>
-                <a:spcPts val="1300"/>
-              </a:lnSpc>
-              <a:spcBef>
-                <a:spcPts val="600"/>
-              </a:spcBef>
-              <a:buChar char="•"/>
-            </a:pPr>
-            <a:r>
-              <a:rPr lang="ru-RU" sz="1500" dirty="0">
-                <a:ln w="0">
-                  <a:noFill/>
-                </a:ln>
-                <a:solidFill>
-                  <a:srgbClr val="031507"/>
-                </a:solidFill>
-                <a:latin typeface="Bahnschrift Condensed" panose="020B0502040204020203" pitchFamily="34" charset="0"/>
-              </a:rPr>
-              <a:t>94.5мм – 1/1</a:t>
-            </a:r>
-          </a:p>
-          <a:p>
-            <a:pPr marL="342900" indent="-342900" algn="l">
-              <a:lnSpc>
-                <a:spcPts val="1300"/>
-              </a:lnSpc>
-              <a:spcBef>
-                <a:spcPts val="600"/>
-              </a:spcBef>
-              <a:buChar char="•"/>
-            </a:pPr>
-            <a:r>
-              <a:rPr lang="ru-RU" sz="1500" dirty="0">
-                <a:ln w="0">
-                  <a:noFill/>
-                </a:ln>
-                <a:solidFill>
-                  <a:srgbClr val="031507"/>
-                </a:solidFill>
-                <a:latin typeface="Bahnschrift Condensed" panose="020B0502040204020203" pitchFamily="34" charset="0"/>
-              </a:rPr>
-              <a:t>Базовый шанс пробития - 60%</a:t>
-            </a:r>
-          </a:p>
-          <a:p>
-            <a:pPr marL="342900" indent="-342900" algn="l">
-              <a:lnSpc>
-                <a:spcPts val="1300"/>
-              </a:lnSpc>
-              <a:spcBef>
-                <a:spcPts val="600"/>
-              </a:spcBef>
-              <a:buChar char="•"/>
-            </a:pPr>
-            <a:r>
-              <a:rPr lang="ru-RU" sz="1500" dirty="0">
-                <a:ln w="0">
-                  <a:noFill/>
-                </a:ln>
-                <a:solidFill>
-                  <a:srgbClr val="031507"/>
-                </a:solidFill>
-                <a:latin typeface="Bahnschrift Condensed" panose="020B0502040204020203" pitchFamily="34" charset="0"/>
-              </a:rPr>
-              <a:t>Максимальная степень износа танковой брони - 90%</a:t>
-            </a:r>
-          </a:p>
-          <a:p>
-            <a:pPr marL="342900" indent="-342900" algn="l">
-              <a:lnSpc>
-                <a:spcPts val="1300"/>
-              </a:lnSpc>
-              <a:spcBef>
-                <a:spcPts val="600"/>
-              </a:spcBef>
-              <a:buChar char="•"/>
-            </a:pPr>
-            <a:r>
-              <a:rPr lang="ru-RU" sz="1500" dirty="0">
-                <a:ln w="0">
-                  <a:noFill/>
-                </a:ln>
-                <a:solidFill>
-                  <a:srgbClr val="031507"/>
-                </a:solidFill>
-                <a:latin typeface="Bahnschrift Condensed" panose="020B0502040204020203" pitchFamily="34" charset="0"/>
-              </a:rPr>
-              <a:t>Шанс подбития подсистем:</a:t>
-            </a:r>
-            <a:endParaRPr lang="en-US" sz="1500" dirty="0">
-              <a:ln w="0">
-                <a:noFill/>
-              </a:ln>
-              <a:solidFill>
-                <a:srgbClr val="031507"/>
-              </a:solidFill>
-              <a:latin typeface="Bahnschrift Condensed" panose="020B0502040204020203" pitchFamily="34" charset="0"/>
-            </a:endParaRPr>
-          </a:p>
-          <a:p>
-            <a:pPr marL="800100" lvl="1" indent="-342900">
-              <a:lnSpc>
-                <a:spcPts val="1300"/>
-              </a:lnSpc>
-              <a:spcBef>
-                <a:spcPts val="600"/>
-              </a:spcBef>
-              <a:buChar char="•"/>
-            </a:pPr>
-            <a:r>
-              <a:rPr lang="ru-RU" sz="1500" dirty="0">
-                <a:ln w="0">
-                  <a:noFill/>
-                </a:ln>
-                <a:solidFill>
-                  <a:srgbClr val="031507"/>
-                </a:solidFill>
-                <a:latin typeface="Bahnschrift Condensed" panose="020B0502040204020203" pitchFamily="34" charset="0"/>
-              </a:rPr>
-              <a:t>гусеницы - 30%</a:t>
-            </a:r>
-          </a:p>
-          <a:p>
-            <a:endParaRPr lang="ru-RU" dirty="0"/>
+            <a:endParaRPr lang="ru-RU"/>
           </a:p>
         </p:txBody>
       </p:sp>
@@ -5039,7 +4935,7 @@
               <a:buChar char="•"/>
             </a:pPr>
             <a:r>
-              <a:rPr lang="ru-RU" sz="1800" dirty="0">
+              <a:rPr lang="ru-RU" sz="1800">
                 <a:ln w="0">
                   <a:noFill/>
                 </a:ln>
@@ -5062,7 +4958,7 @@
               <a:buChar char="•"/>
             </a:pPr>
             <a:r>
-              <a:rPr lang="ru-RU" sz="1800" dirty="0">
+              <a:rPr lang="ru-RU" sz="1800">
                 <a:ln w="0">
                   <a:noFill/>
                 </a:ln>
@@ -5071,10 +4967,21 @@
                 </a:solidFill>
                 <a:latin typeface="Bahnschrift Condensed" panose="020B0502040204020203" pitchFamily="34" charset="0"/>
               </a:rPr>
-              <a:t>Скорость: по дороге - 5.4 м/с, по </a:t>
-            </a:r>
-            <a:r>
-              <a:rPr lang="ru-RU" sz="1800" dirty="0" err="1">
+              <a:t>Скорость: по дороге - 5.4 м/с, по внедорожью - 4.59 м/с</a:t>
+            </a:r>
+          </a:p>
+          <a:p>
+            <a:pPr marL="342900" indent="-342900" algn="l">
+              <a:lnSpc>
+                <a:spcPts val="1300"/>
+              </a:lnSpc>
+              <a:spcBef>
+                <a:spcPts val="600"/>
+              </a:spcBef>
+              <a:buChar char="•"/>
+            </a:pPr>
+            <a:r>
+              <a:rPr lang="ru-RU" sz="1800">
                 <a:ln w="0">
                   <a:noFill/>
                 </a:ln>
@@ -5083,44 +4990,9 @@
                 </a:solidFill>
                 <a:latin typeface="Bahnschrift Condensed" panose="020B0502040204020203" pitchFamily="34" charset="0"/>
               </a:rPr>
-              <a:t>внедорожью</a:t>
-            </a:r>
-            <a:r>
-              <a:rPr lang="ru-RU" sz="1800" dirty="0">
-                <a:ln w="0">
-                  <a:noFill/>
-                </a:ln>
-                <a:solidFill>
-                  <a:srgbClr val="031507"/>
-                </a:solidFill>
-                <a:latin typeface="Bahnschrift Condensed" panose="020B0502040204020203" pitchFamily="34" charset="0"/>
-              </a:rPr>
-              <a:t> - 4.59 м/с</a:t>
-            </a:r>
-          </a:p>
-          <a:p>
-            <a:pPr marL="342900" indent="-342900" algn="l">
-              <a:lnSpc>
-                <a:spcPts val="1300"/>
-              </a:lnSpc>
-              <a:spcBef>
-                <a:spcPts val="600"/>
-              </a:spcBef>
-              <a:buChar char="•"/>
-            </a:pPr>
-            <a:r>
-              <a:rPr lang="ru-RU" sz="1800" dirty="0">
-                <a:ln w="0">
-                  <a:noFill/>
-                </a:ln>
-                <a:solidFill>
-                  <a:srgbClr val="031507"/>
-                </a:solidFill>
-                <a:latin typeface="Bahnschrift Condensed" panose="020B0502040204020203" pitchFamily="34" charset="0"/>
-              </a:rPr>
               <a:t>Объём бака: 150 л</a:t>
             </a:r>
-            <a:endParaRPr lang="en-US" sz="1800" dirty="0">
+            <a:endParaRPr lang="en-US" sz="1800">
               <a:ln w="0">
                 <a:noFill/>
               </a:ln>
@@ -5141,7 +5013,7 @@
               <a:buChar char="•"/>
             </a:pPr>
             <a:r>
-              <a:rPr lang="ru-RU" sz="1800" dirty="0">
+              <a:rPr lang="ru-RU" sz="1800">
                 <a:ln w="0">
                   <a:noFill/>
                 </a:ln>
@@ -5164,7 +5036,7 @@
               <a:buChar char="•"/>
             </a:pPr>
             <a:r>
-              <a:rPr lang="ru-RU" sz="1800" dirty="0">
+              <a:rPr lang="ru-RU" sz="1800">
                 <a:ln w="0">
                   <a:noFill/>
                 </a:ln>
@@ -5176,7 +5048,7 @@
               <a:t>Время хода: 25</a:t>
             </a:r>
             <a:r>
-              <a:rPr lang="en-US" sz="1800" dirty="0">
+              <a:rPr lang="en-US" sz="1800">
                 <a:ln w="0">
                   <a:noFill/>
                 </a:ln>
@@ -5187,7 +5059,7 @@
               </a:rPr>
               <a:t>:00</a:t>
             </a:r>
-            <a:endParaRPr lang="ru-RU" sz="1800" dirty="0">
+            <a:endParaRPr lang="ru-RU" sz="1800">
               <a:ln w="0">
                 <a:noFill/>
               </a:ln>
@@ -5208,7 +5080,7 @@
               <a:buChar char="•"/>
             </a:pPr>
             <a:r>
-              <a:rPr lang="ru-RU" sz="1800" dirty="0">
+              <a:rPr lang="ru-RU" sz="1800">
                 <a:ln w="0">
                   <a:noFill/>
                 </a:ln>
@@ -5228,7 +5100,7 @@
               <a:buChar char="•"/>
             </a:pPr>
             <a:r>
-              <a:rPr lang="ru-RU" sz="1800" dirty="0">
+              <a:rPr lang="ru-RU" sz="1800">
                 <a:ln w="0">
                   <a:noFill/>
                 </a:ln>
@@ -5248,7 +5120,7 @@
               <a:buChar char="•"/>
             </a:pPr>
             <a:r>
-              <a:rPr lang="ru-RU" sz="1800" dirty="0">
+              <a:rPr lang="ru-RU" sz="1800">
                 <a:ln w="0">
                   <a:noFill/>
                 </a:ln>
@@ -5268,7 +5140,7 @@
               <a:buChar char="•"/>
             </a:pPr>
             <a:r>
-              <a:rPr lang="ru-RU" sz="1800" dirty="0">
+              <a:rPr lang="ru-RU" sz="1800">
                 <a:ln w="0">
                   <a:noFill/>
                 </a:ln>
@@ -5279,7 +5151,7 @@
               </a:rPr>
               <a:t>Экипаж: </a:t>
             </a:r>
-            <a:endParaRPr lang="en-US" sz="1800" dirty="0">
+            <a:endParaRPr lang="en-US" sz="1800">
               <a:ln w="0">
                 <a:noFill/>
               </a:ln>
@@ -5300,7 +5172,7 @@
               <a:buChar char="•"/>
             </a:pPr>
             <a:r>
-              <a:rPr lang="ru-RU" dirty="0">
+              <a:rPr lang="ru-RU">
                 <a:ln w="0">
                   <a:noFill/>
                 </a:ln>
@@ -5311,7 +5183,7 @@
               </a:rPr>
               <a:t>водитель </a:t>
             </a:r>
-            <a:endParaRPr lang="en-US" dirty="0">
+            <a:endParaRPr lang="en-US">
               <a:ln w="0">
                 <a:noFill/>
               </a:ln>
@@ -5332,7 +5204,7 @@
               <a:buChar char="•"/>
             </a:pPr>
             <a:r>
-              <a:rPr lang="ru-RU" dirty="0">
+              <a:rPr lang="ru-RU">
                 <a:ln w="0">
                   <a:noFill/>
                 </a:ln>
@@ -5343,7 +5215,7 @@
               </a:rPr>
               <a:t>наводчик </a:t>
             </a:r>
-            <a:endParaRPr lang="en-US" dirty="0">
+            <a:endParaRPr lang="en-US">
               <a:ln w="0">
                 <a:noFill/>
               </a:ln>
@@ -5364,7 +5236,7 @@
               <a:buChar char="•"/>
             </a:pPr>
             <a:r>
-              <a:rPr lang="ru-RU" dirty="0">
+              <a:rPr lang="ru-RU">
                 <a:ln w="0">
                   <a:noFill/>
                 </a:ln>
@@ -5375,7 +5247,7 @@
               </a:rPr>
               <a:t>пассажиры</a:t>
             </a:r>
-            <a:endParaRPr lang="ru-RU" dirty="0"/>
+            <a:endParaRPr lang="ru-RU"/>
           </a:p>
         </p:txBody>
       </p:sp>
@@ -5406,18 +5278,10 @@
           <a:lstStyle/>
           <a:p>
             <a:r>
-              <a:rPr lang="en-US" dirty="0"/>
-              <a:t>T12 “</a:t>
-            </a:r>
-            <a:r>
-              <a:rPr lang="en-US" sz="3600" dirty="0"/>
-              <a:t>Actaeon</a:t>
-            </a:r>
-            <a:r>
-              <a:rPr lang="en-US" dirty="0"/>
-              <a:t>” Tankette</a:t>
-            </a:r>
-            <a:endParaRPr dirty="0"/>
+              <a:rPr lang="ru-RU"/>
+              <a:t>Танкетка</a:t>
+            </a:r>
+            <a:endParaRPr/>
           </a:p>
         </p:txBody>
       </p:sp>
